--- a/ColorSwitch-Platformer-Resources/Documents/ART BIBLE/Spectrum Switch Art Bible.pptx
+++ b/ColorSwitch-Platformer-Resources/Documents/ART BIBLE/Spectrum Switch Art Bible.pptx
@@ -14,8 +14,10 @@
     <p:sldId id="268" r:id="rId8"/>
     <p:sldId id="270" r:id="rId9"/>
     <p:sldId id="272" r:id="rId10"/>
-    <p:sldId id="274" r:id="rId11"/>
-    <p:sldId id="276" r:id="rId12"/>
+    <p:sldId id="278" r:id="rId11"/>
+    <p:sldId id="274" r:id="rId12"/>
+    <p:sldId id="276" r:id="rId13"/>
+    <p:sldId id="277" r:id="rId14"/>
   </p:sldIdLst>
   <p:sldSz cx="12192000" cy="6858000"/>
   <p:notesSz cx="6858000" cy="9144000"/>
@@ -114,6 +116,11 @@
       </a:defRPr>
     </a:lvl9pPr>
   </p:defaultTextStyle>
+  <p:extLst>
+    <p:ext uri="{EFAFB233-063F-42B5-8137-9DF3F51BA10A}">
+      <p15:sldGuideLst xmlns:p15="http://schemas.microsoft.com/office/powerpoint/2012/main"/>
+    </p:ext>
+  </p:extLst>
 </p:presentation>
 </file>
 
@@ -248,7 +255,7 @@
           <a:p>
             <a:fld id="{9147FFAB-25D3-4FA9-BE82-F683B0834097}" type="datetimeFigureOut">
               <a:rPr lang="en-PH" smtClean="0"/>
-              <a:t>29/03/2016</a:t>
+              <a:t>30/03/2016</a:t>
             </a:fld>
             <a:endParaRPr lang="en-PH"/>
           </a:p>
@@ -418,7 +425,7 @@
           <a:p>
             <a:fld id="{9147FFAB-25D3-4FA9-BE82-F683B0834097}" type="datetimeFigureOut">
               <a:rPr lang="en-PH" smtClean="0"/>
-              <a:t>29/03/2016</a:t>
+              <a:t>30/03/2016</a:t>
             </a:fld>
             <a:endParaRPr lang="en-PH"/>
           </a:p>
@@ -598,7 +605,7 @@
           <a:p>
             <a:fld id="{9147FFAB-25D3-4FA9-BE82-F683B0834097}" type="datetimeFigureOut">
               <a:rPr lang="en-PH" smtClean="0"/>
-              <a:t>29/03/2016</a:t>
+              <a:t>30/03/2016</a:t>
             </a:fld>
             <a:endParaRPr lang="en-PH"/>
           </a:p>
@@ -768,7 +775,7 @@
           <a:p>
             <a:fld id="{9147FFAB-25D3-4FA9-BE82-F683B0834097}" type="datetimeFigureOut">
               <a:rPr lang="en-PH" smtClean="0"/>
-              <a:t>29/03/2016</a:t>
+              <a:t>30/03/2016</a:t>
             </a:fld>
             <a:endParaRPr lang="en-PH"/>
           </a:p>
@@ -1014,7 +1021,7 @@
           <a:p>
             <a:fld id="{9147FFAB-25D3-4FA9-BE82-F683B0834097}" type="datetimeFigureOut">
               <a:rPr lang="en-PH" smtClean="0"/>
-              <a:t>29/03/2016</a:t>
+              <a:t>30/03/2016</a:t>
             </a:fld>
             <a:endParaRPr lang="en-PH"/>
           </a:p>
@@ -1246,7 +1253,7 @@
           <a:p>
             <a:fld id="{9147FFAB-25D3-4FA9-BE82-F683B0834097}" type="datetimeFigureOut">
               <a:rPr lang="en-PH" smtClean="0"/>
-              <a:t>29/03/2016</a:t>
+              <a:t>30/03/2016</a:t>
             </a:fld>
             <a:endParaRPr lang="en-PH"/>
           </a:p>
@@ -1613,7 +1620,7 @@
           <a:p>
             <a:fld id="{9147FFAB-25D3-4FA9-BE82-F683B0834097}" type="datetimeFigureOut">
               <a:rPr lang="en-PH" smtClean="0"/>
-              <a:t>29/03/2016</a:t>
+              <a:t>30/03/2016</a:t>
             </a:fld>
             <a:endParaRPr lang="en-PH"/>
           </a:p>
@@ -1731,7 +1738,7 @@
           <a:p>
             <a:fld id="{9147FFAB-25D3-4FA9-BE82-F683B0834097}" type="datetimeFigureOut">
               <a:rPr lang="en-PH" smtClean="0"/>
-              <a:t>29/03/2016</a:t>
+              <a:t>30/03/2016</a:t>
             </a:fld>
             <a:endParaRPr lang="en-PH"/>
           </a:p>
@@ -1826,7 +1833,7 @@
           <a:p>
             <a:fld id="{9147FFAB-25D3-4FA9-BE82-F683B0834097}" type="datetimeFigureOut">
               <a:rPr lang="en-PH" smtClean="0"/>
-              <a:t>29/03/2016</a:t>
+              <a:t>30/03/2016</a:t>
             </a:fld>
             <a:endParaRPr lang="en-PH"/>
           </a:p>
@@ -2103,7 +2110,7 @@
           <a:p>
             <a:fld id="{9147FFAB-25D3-4FA9-BE82-F683B0834097}" type="datetimeFigureOut">
               <a:rPr lang="en-PH" smtClean="0"/>
-              <a:t>29/03/2016</a:t>
+              <a:t>30/03/2016</a:t>
             </a:fld>
             <a:endParaRPr lang="en-PH"/>
           </a:p>
@@ -2356,7 +2363,7 @@
           <a:p>
             <a:fld id="{9147FFAB-25D3-4FA9-BE82-F683B0834097}" type="datetimeFigureOut">
               <a:rPr lang="en-PH" smtClean="0"/>
-              <a:t>29/03/2016</a:t>
+              <a:t>30/03/2016</a:t>
             </a:fld>
             <a:endParaRPr lang="en-PH"/>
           </a:p>
@@ -2572,7 +2579,7 @@
           <a:p>
             <a:fld id="{9147FFAB-25D3-4FA9-BE82-F683B0834097}" type="datetimeFigureOut">
               <a:rPr lang="en-PH" smtClean="0"/>
-              <a:t>29/03/2016</a:t>
+              <a:t>30/03/2016</a:t>
             </a:fld>
             <a:endParaRPr lang="en-PH"/>
           </a:p>
@@ -3116,7 +3123,7 @@
           <a:p>
             <a:pPr algn="l"/>
             <a:r>
-              <a:rPr lang="en-PH" sz="2000" dirty="0">
+              <a:rPr lang="en-PH" sz="2000" b="1" dirty="0">
                 <a:solidFill>
                   <a:schemeClr val="bg1"/>
                 </a:solidFill>
@@ -3127,7 +3134,7 @@
           <a:p>
             <a:pPr algn="l"/>
             <a:r>
-              <a:rPr lang="en-PH" sz="2000" dirty="0">
+              <a:rPr lang="en-PH" sz="2000" b="1" dirty="0">
                 <a:solidFill>
                   <a:schemeClr val="bg1"/>
                 </a:solidFill>
@@ -3135,14 +3142,14 @@
               <a:t>Lopez, </a:t>
             </a:r>
             <a:r>
-              <a:rPr lang="en-PH" sz="2000" dirty="0" err="1">
+              <a:rPr lang="en-PH" sz="2000" b="1" dirty="0" err="1">
                 <a:solidFill>
                   <a:schemeClr val="bg1"/>
                 </a:solidFill>
               </a:rPr>
               <a:t>Marienne</a:t>
             </a:r>
-            <a:endParaRPr lang="en-PH" sz="2000" dirty="0">
+            <a:endParaRPr lang="en-PH" sz="2000" b="1" dirty="0">
               <a:solidFill>
                 <a:schemeClr val="bg1"/>
               </a:solidFill>
@@ -3151,7 +3158,7 @@
           <a:p>
             <a:pPr algn="l"/>
             <a:r>
-              <a:rPr lang="en-PH" sz="2000" dirty="0">
+              <a:rPr lang="en-PH" sz="2000" b="1" dirty="0">
                 <a:solidFill>
                   <a:schemeClr val="bg1"/>
                 </a:solidFill>
@@ -3193,7 +3200,7 @@
       </p:grpSpPr>
       <p:pic>
         <p:nvPicPr>
-          <p:cNvPr id="5" name="Content Placeholder 3"/>
+          <p:cNvPr id="7" name="Picture 6"/>
           <p:cNvPicPr>
             <a:picLocks noChangeAspect="1"/>
           </p:cNvPicPr>
@@ -3207,6 +3214,35 @@
               </a:ext>
             </a:extLst>
           </a:blip>
+          <a:srcRect r="62218"/>
+          <a:stretch/>
+        </p:blipFill>
+        <p:spPr>
+          <a:xfrm>
+            <a:off x="1772164" y="2283812"/>
+            <a:ext cx="3171568" cy="3171568"/>
+          </a:xfrm>
+          <a:prstGeom prst="rect">
+            <a:avLst/>
+          </a:prstGeom>
+        </p:spPr>
+      </p:pic>
+      <p:pic>
+        <p:nvPicPr>
+          <p:cNvPr id="5" name="Content Placeholder 3"/>
+          <p:cNvPicPr>
+            <a:picLocks noChangeAspect="1"/>
+          </p:cNvPicPr>
+          <p:nvPr/>
+        </p:nvPicPr>
+        <p:blipFill rotWithShape="1">
+          <a:blip r:embed="rId3">
+            <a:extLst>
+              <a:ext uri="{28A0092B-C50C-407E-A947-70E740481C1C}">
+                <a14:useLocalDpi xmlns:a14="http://schemas.microsoft.com/office/drawing/2010/main" val="0"/>
+              </a:ext>
+            </a:extLst>
+          </a:blip>
           <a:srcRect t="13334" b="24923"/>
           <a:stretch/>
         </p:blipFill>
@@ -3232,16 +3268,15 @@
         </p:nvSpPr>
         <p:spPr>
           <a:xfrm>
-            <a:off x="1705232" y="593124"/>
+            <a:off x="1705233" y="358345"/>
             <a:ext cx="9648567" cy="1097564"/>
           </a:xfrm>
         </p:spPr>
         <p:txBody>
-          <a:bodyPr>
-            <a:normAutofit fontScale="90000"/>
-          </a:bodyPr>
-          <a:lstStyle/>
-          <a:p>
+          <a:bodyPr/>
+          <a:lstStyle/>
+          <a:p>
+            <a:pPr algn="ctr"/>
             <a:r>
               <a:rPr lang="en-PH" b="1" dirty="0">
                 <a:ln w="22225">
@@ -3259,43 +3294,241 @@
                 </a:effectLst>
                 <a:latin typeface="ZX-Spectrum" panose="020B0600000000000000" pitchFamily="34" charset="0"/>
               </a:rPr>
-              <a:t>TECHNICAL GUIDELINES</a:t>
-            </a:r>
-          </a:p>
-        </p:txBody>
-      </p:sp>
-      <p:sp>
-        <p:nvSpPr>
-          <p:cNvPr id="3" name="Content Placeholder 2"/>
-          <p:cNvSpPr>
-            <a:spLocks noGrp="1"/>
-          </p:cNvSpPr>
-          <p:nvPr>
-            <p:ph idx="1"/>
-          </p:nvPr>
-        </p:nvSpPr>
-        <p:spPr>
-          <a:xfrm>
-            <a:off x="1705232" y="1690688"/>
-            <a:ext cx="10033687" cy="4660685"/>
-          </a:xfrm>
-        </p:spPr>
-        <p:txBody>
-          <a:bodyPr/>
-          <a:lstStyle/>
-          <a:p>
-            <a:endParaRPr lang="en-PH" dirty="0">
-              <a:solidFill>
-                <a:schemeClr val="bg1"/>
-              </a:solidFill>
-            </a:endParaRPr>
+              <a:t>USER INTERFACE</a:t>
+            </a:r>
+          </a:p>
+        </p:txBody>
+      </p:sp>
+      <p:pic>
+        <p:nvPicPr>
+          <p:cNvPr id="6" name="Picture 5"/>
+          <p:cNvPicPr>
+            <a:picLocks noChangeAspect="1"/>
+          </p:cNvPicPr>
+          <p:nvPr/>
+        </p:nvPicPr>
+        <p:blipFill>
+          <a:blip r:embed="rId4">
+            <a:extLst>
+              <a:ext uri="{28A0092B-C50C-407E-A947-70E740481C1C}">
+                <a14:useLocalDpi xmlns:a14="http://schemas.microsoft.com/office/drawing/2010/main" val="0"/>
+              </a:ext>
+            </a:extLst>
+          </a:blip>
+          <a:stretch>
+            <a:fillRect/>
+          </a:stretch>
+        </p:blipFill>
+        <p:spPr>
+          <a:xfrm>
+            <a:off x="1772164" y="2283812"/>
+            <a:ext cx="3171568" cy="3171568"/>
+          </a:xfrm>
+          <a:prstGeom prst="rect">
+            <a:avLst/>
+          </a:prstGeom>
+          <a:ln w="88900" cap="sq" cmpd="thickThin">
+            <a:solidFill>
+              <a:srgbClr val="000000"/>
+            </a:solidFill>
+            <a:prstDash val="solid"/>
+            <a:miter lim="800000"/>
+          </a:ln>
+          <a:effectLst>
+            <a:innerShdw blurRad="76200">
+              <a:srgbClr val="000000"/>
+            </a:innerShdw>
+          </a:effectLst>
+        </p:spPr>
+      </p:pic>
+      <p:pic>
+        <p:nvPicPr>
+          <p:cNvPr id="8" name="Picture 7"/>
+          <p:cNvPicPr>
+            <a:picLocks noChangeAspect="1"/>
+          </p:cNvPicPr>
+          <p:nvPr/>
+        </p:nvPicPr>
+        <p:blipFill>
+          <a:blip r:embed="rId5">
+            <a:extLst>
+              <a:ext uri="{28A0092B-C50C-407E-A947-70E740481C1C}">
+                <a14:useLocalDpi xmlns:a14="http://schemas.microsoft.com/office/drawing/2010/main" val="0"/>
+              </a:ext>
+            </a:extLst>
+          </a:blip>
+          <a:stretch>
+            <a:fillRect/>
+          </a:stretch>
+        </p:blipFill>
+        <p:spPr>
+          <a:xfrm>
+            <a:off x="5258410" y="2283812"/>
+            <a:ext cx="3171568" cy="3171568"/>
+          </a:xfrm>
+          <a:prstGeom prst="roundRect">
+            <a:avLst>
+              <a:gd name="adj" fmla="val 8594"/>
+            </a:avLst>
+          </a:prstGeom>
+          <a:solidFill>
+            <a:srgbClr val="FFFFFF">
+              <a:shade val="85000"/>
+            </a:srgbClr>
+          </a:solidFill>
+          <a:ln>
+            <a:noFill/>
+          </a:ln>
+          <a:effectLst>
+            <a:reflection blurRad="12700" stA="38000" endPos="28000" dist="5000" dir="5400000" sy="-100000" algn="bl" rotWithShape="0"/>
+          </a:effectLst>
+        </p:spPr>
+      </p:pic>
+      <p:pic>
+        <p:nvPicPr>
+          <p:cNvPr id="9" name="Picture 8"/>
+          <p:cNvPicPr>
+            <a:picLocks noChangeAspect="1"/>
+          </p:cNvPicPr>
+          <p:nvPr/>
+        </p:nvPicPr>
+        <p:blipFill rotWithShape="1">
+          <a:blip r:embed="rId2">
+            <a:extLst>
+              <a:ext uri="{28A0092B-C50C-407E-A947-70E740481C1C}">
+                <a14:useLocalDpi xmlns:a14="http://schemas.microsoft.com/office/drawing/2010/main" val="0"/>
+              </a:ext>
+            </a:extLst>
+          </a:blip>
+          <a:srcRect r="62218"/>
+          <a:stretch/>
+        </p:blipFill>
+        <p:spPr>
+          <a:xfrm>
+            <a:off x="8744656" y="2283812"/>
+            <a:ext cx="3171568" cy="3171568"/>
+          </a:xfrm>
+          <a:prstGeom prst="roundRect">
+            <a:avLst>
+              <a:gd name="adj" fmla="val 8594"/>
+            </a:avLst>
+          </a:prstGeom>
+          <a:solidFill>
+            <a:srgbClr val="FFFFFF">
+              <a:shade val="85000"/>
+            </a:srgbClr>
+          </a:solidFill>
+          <a:ln>
+            <a:noFill/>
+          </a:ln>
+          <a:effectLst>
+            <a:reflection blurRad="12700" stA="38000" endPos="28000" dist="5000" dir="5400000" sy="-100000" algn="bl" rotWithShape="0"/>
+          </a:effectLst>
+        </p:spPr>
+      </p:pic>
+      <p:sp>
+        <p:nvSpPr>
+          <p:cNvPr id="10" name="TextBox 9"/>
+          <p:cNvSpPr txBox="1"/>
+          <p:nvPr/>
+        </p:nvSpPr>
+        <p:spPr>
+          <a:xfrm>
+            <a:off x="2627812" y="5788976"/>
+            <a:ext cx="1460272" cy="369332"/>
+          </a:xfrm>
+          <a:prstGeom prst="rect">
+            <a:avLst/>
+          </a:prstGeom>
+          <a:noFill/>
+        </p:spPr>
+        <p:txBody>
+          <a:bodyPr wrap="none" rtlCol="0">
+            <a:spAutoFit/>
+          </a:bodyPr>
+          <a:lstStyle/>
+          <a:p>
+            <a:r>
+              <a:rPr lang="en-PH" b="1" dirty="0">
+                <a:solidFill>
+                  <a:schemeClr val="bg1"/>
+                </a:solidFill>
+              </a:rPr>
+              <a:t>PAUSE SCENE</a:t>
+            </a:r>
+          </a:p>
+        </p:txBody>
+      </p:sp>
+      <p:sp>
+        <p:nvSpPr>
+          <p:cNvPr id="11" name="TextBox 10"/>
+          <p:cNvSpPr txBox="1"/>
+          <p:nvPr/>
+        </p:nvSpPr>
+        <p:spPr>
+          <a:xfrm>
+            <a:off x="5960971" y="5788976"/>
+            <a:ext cx="1766446" cy="369332"/>
+          </a:xfrm>
+          <a:prstGeom prst="rect">
+            <a:avLst/>
+          </a:prstGeom>
+          <a:noFill/>
+        </p:spPr>
+        <p:txBody>
+          <a:bodyPr wrap="none" rtlCol="0">
+            <a:spAutoFit/>
+          </a:bodyPr>
+          <a:lstStyle/>
+          <a:p>
+            <a:r>
+              <a:rPr lang="en-PH" b="1" dirty="0">
+                <a:solidFill>
+                  <a:schemeClr val="bg1"/>
+                </a:solidFill>
+              </a:rPr>
+              <a:t>SETTINGS SCENE</a:t>
+            </a:r>
+          </a:p>
+        </p:txBody>
+      </p:sp>
+      <p:sp>
+        <p:nvSpPr>
+          <p:cNvPr id="12" name="TextBox 11"/>
+          <p:cNvSpPr txBox="1"/>
+          <p:nvPr/>
+        </p:nvSpPr>
+        <p:spPr>
+          <a:xfrm>
+            <a:off x="9607325" y="5788976"/>
+            <a:ext cx="1446230" cy="369332"/>
+          </a:xfrm>
+          <a:prstGeom prst="rect">
+            <a:avLst/>
+          </a:prstGeom>
+          <a:noFill/>
+        </p:spPr>
+        <p:txBody>
+          <a:bodyPr wrap="none" rtlCol="0">
+            <a:spAutoFit/>
+          </a:bodyPr>
+          <a:lstStyle/>
+          <a:p>
+            <a:r>
+              <a:rPr lang="en-PH" b="1" dirty="0">
+                <a:solidFill>
+                  <a:schemeClr val="bg1"/>
+                </a:solidFill>
+              </a:rPr>
+              <a:t>GAME SCENE</a:t>
+            </a:r>
           </a:p>
         </p:txBody>
       </p:sp>
     </p:spTree>
     <p:extLst>
       <p:ext uri="{BB962C8B-B14F-4D97-AF65-F5344CB8AC3E}">
-        <p14:creationId xmlns:p14="http://schemas.microsoft.com/office/powerpoint/2010/main" val="3143185631"/>
+        <p14:creationId xmlns:p14="http://schemas.microsoft.com/office/powerpoint/2010/main" val="3765326876"/>
       </p:ext>
     </p:extLst>
   </p:cSld>
@@ -3324,6 +3557,710 @@
       </p:grpSpPr>
       <p:pic>
         <p:nvPicPr>
+          <p:cNvPr id="18" name="Picture 17"/>
+          <p:cNvPicPr>
+            <a:picLocks noChangeAspect="1"/>
+          </p:cNvPicPr>
+          <p:nvPr/>
+        </p:nvPicPr>
+        <p:blipFill>
+          <a:blip r:embed="rId2">
+            <a:extLst>
+              <a:ext uri="{28A0092B-C50C-407E-A947-70E740481C1C}">
+                <a14:useLocalDpi xmlns:a14="http://schemas.microsoft.com/office/drawing/2010/main" val="0"/>
+              </a:ext>
+            </a:extLst>
+          </a:blip>
+          <a:stretch>
+            <a:fillRect/>
+          </a:stretch>
+        </p:blipFill>
+        <p:spPr>
+          <a:xfrm>
+            <a:off x="1758942" y="2665901"/>
+            <a:ext cx="3437240" cy="3437240"/>
+          </a:xfrm>
+          <a:prstGeom prst="rect">
+            <a:avLst/>
+          </a:prstGeom>
+          <a:ln>
+            <a:noFill/>
+          </a:ln>
+          <a:effectLst>
+            <a:reflection blurRad="12700" stA="30000" endPos="30000" dist="5000" dir="5400000" sy="-100000" algn="bl" rotWithShape="0"/>
+          </a:effectLst>
+          <a:scene3d>
+            <a:camera prst="perspectiveContrastingLeftFacing">
+              <a:rot lat="300000" lon="19800000" rev="0"/>
+            </a:camera>
+            <a:lightRig rig="threePt" dir="t">
+              <a:rot lat="0" lon="0" rev="2700000"/>
+            </a:lightRig>
+          </a:scene3d>
+          <a:sp3d>
+            <a:bevelT w="63500" h="50800"/>
+          </a:sp3d>
+        </p:spPr>
+      </p:pic>
+      <p:pic>
+        <p:nvPicPr>
+          <p:cNvPr id="5" name="Content Placeholder 3"/>
+          <p:cNvPicPr>
+            <a:picLocks noChangeAspect="1"/>
+          </p:cNvPicPr>
+          <p:nvPr/>
+        </p:nvPicPr>
+        <p:blipFill rotWithShape="1">
+          <a:blip r:embed="rId3">
+            <a:extLst>
+              <a:ext uri="{28A0092B-C50C-407E-A947-70E740481C1C}">
+                <a14:useLocalDpi xmlns:a14="http://schemas.microsoft.com/office/drawing/2010/main" val="0"/>
+              </a:ext>
+            </a:extLst>
+          </a:blip>
+          <a:srcRect t="13334" b="24923"/>
+          <a:stretch/>
+        </p:blipFill>
+        <p:spPr>
+          <a:xfrm rot="5400000">
+            <a:off x="-2576384" y="2576385"/>
+            <a:ext cx="6858001" cy="1705231"/>
+          </a:xfrm>
+          <a:prstGeom prst="rect">
+            <a:avLst/>
+          </a:prstGeom>
+        </p:spPr>
+      </p:pic>
+      <p:sp>
+        <p:nvSpPr>
+          <p:cNvPr id="2" name="Title 1"/>
+          <p:cNvSpPr>
+            <a:spLocks noGrp="1"/>
+          </p:cNvSpPr>
+          <p:nvPr>
+            <p:ph type="title"/>
+          </p:nvPr>
+        </p:nvSpPr>
+        <p:spPr>
+          <a:xfrm>
+            <a:off x="1705232" y="282164"/>
+            <a:ext cx="9648567" cy="1097564"/>
+          </a:xfrm>
+        </p:spPr>
+        <p:txBody>
+          <a:bodyPr>
+            <a:normAutofit fontScale="90000"/>
+          </a:bodyPr>
+          <a:lstStyle/>
+          <a:p>
+            <a:r>
+              <a:rPr lang="en-PH" b="1" dirty="0">
+                <a:ln w="22225">
+                  <a:solidFill>
+                    <a:schemeClr val="bg1"/>
+                  </a:solidFill>
+                  <a:prstDash val="solid"/>
+                </a:ln>
+                <a:effectLst>
+                  <a:glow rad="101600">
+                    <a:schemeClr val="bg1">
+                      <a:alpha val="60000"/>
+                    </a:schemeClr>
+                  </a:glow>
+                </a:effectLst>
+                <a:latin typeface="ZX-Spectrum" panose="020B0600000000000000" pitchFamily="34" charset="0"/>
+              </a:rPr>
+              <a:t>TECHNICAL GUIDELINES</a:t>
+            </a:r>
+          </a:p>
+        </p:txBody>
+      </p:sp>
+      <p:pic>
+        <p:nvPicPr>
+          <p:cNvPr id="4" name="Picture 3"/>
+          <p:cNvPicPr>
+            <a:picLocks noChangeAspect="1"/>
+          </p:cNvPicPr>
+          <p:nvPr/>
+        </p:nvPicPr>
+        <p:blipFill>
+          <a:blip r:embed="rId4">
+            <a:extLst>
+              <a:ext uri="{28A0092B-C50C-407E-A947-70E740481C1C}">
+                <a14:useLocalDpi xmlns:a14="http://schemas.microsoft.com/office/drawing/2010/main" val="0"/>
+              </a:ext>
+            </a:extLst>
+          </a:blip>
+          <a:stretch>
+            <a:fillRect/>
+          </a:stretch>
+        </p:blipFill>
+        <p:spPr>
+          <a:xfrm>
+            <a:off x="8687132" y="259816"/>
+            <a:ext cx="2666667" cy="2190476"/>
+          </a:xfrm>
+          <a:prstGeom prst="rect">
+            <a:avLst/>
+          </a:prstGeom>
+        </p:spPr>
+      </p:pic>
+      <p:sp>
+        <p:nvSpPr>
+          <p:cNvPr id="6" name="TextBox 5"/>
+          <p:cNvSpPr txBox="1"/>
+          <p:nvPr/>
+        </p:nvSpPr>
+        <p:spPr>
+          <a:xfrm>
+            <a:off x="8687132" y="2622762"/>
+            <a:ext cx="2666667" cy="461665"/>
+          </a:xfrm>
+          <a:prstGeom prst="rect">
+            <a:avLst/>
+          </a:prstGeom>
+          <a:noFill/>
+        </p:spPr>
+        <p:txBody>
+          <a:bodyPr wrap="square" rtlCol="0">
+            <a:spAutoFit/>
+          </a:bodyPr>
+          <a:lstStyle/>
+          <a:p>
+            <a:pPr algn="ctr"/>
+            <a:r>
+              <a:rPr lang="en-PH" sz="1200" b="1" dirty="0">
+                <a:solidFill>
+                  <a:schemeClr val="bg1"/>
+                </a:solidFill>
+              </a:rPr>
+              <a:t>NAMING CONVENTION</a:t>
+            </a:r>
+          </a:p>
+          <a:p>
+            <a:pPr algn="ctr"/>
+            <a:r>
+              <a:rPr lang="en-PH" sz="1200" b="1" dirty="0">
+                <a:solidFill>
+                  <a:schemeClr val="bg1"/>
+                </a:solidFill>
+              </a:rPr>
+              <a:t>(WHAT FOR)_(TYPE)_(NAME)</a:t>
+            </a:r>
+          </a:p>
+        </p:txBody>
+      </p:sp>
+      <p:pic>
+        <p:nvPicPr>
+          <p:cNvPr id="7" name="Picture 6"/>
+          <p:cNvPicPr>
+            <a:picLocks noChangeAspect="1"/>
+          </p:cNvPicPr>
+          <p:nvPr/>
+        </p:nvPicPr>
+        <p:blipFill>
+          <a:blip r:embed="rId5">
+            <a:extLst>
+              <a:ext uri="{28A0092B-C50C-407E-A947-70E740481C1C}">
+                <a14:useLocalDpi xmlns:a14="http://schemas.microsoft.com/office/drawing/2010/main" val="0"/>
+              </a:ext>
+            </a:extLst>
+          </a:blip>
+          <a:stretch>
+            <a:fillRect/>
+          </a:stretch>
+        </p:blipFill>
+        <p:spPr>
+          <a:xfrm>
+            <a:off x="10629358" y="4329205"/>
+            <a:ext cx="1054870" cy="1054870"/>
+          </a:xfrm>
+          <a:prstGeom prst="rect">
+            <a:avLst/>
+          </a:prstGeom>
+        </p:spPr>
+      </p:pic>
+      <p:pic>
+        <p:nvPicPr>
+          <p:cNvPr id="8" name="Picture 7"/>
+          <p:cNvPicPr>
+            <a:picLocks noChangeAspect="1"/>
+          </p:cNvPicPr>
+          <p:nvPr/>
+        </p:nvPicPr>
+        <p:blipFill>
+          <a:blip r:embed="rId6">
+            <a:extLst>
+              <a:ext uri="{28A0092B-C50C-407E-A947-70E740481C1C}">
+                <a14:useLocalDpi xmlns:a14="http://schemas.microsoft.com/office/drawing/2010/main" val="0"/>
+              </a:ext>
+            </a:extLst>
+          </a:blip>
+          <a:stretch>
+            <a:fillRect/>
+          </a:stretch>
+        </p:blipFill>
+        <p:spPr>
+          <a:xfrm>
+            <a:off x="8591464" y="4402179"/>
+            <a:ext cx="1054870" cy="1054870"/>
+          </a:xfrm>
+          <a:prstGeom prst="rect">
+            <a:avLst/>
+          </a:prstGeom>
+        </p:spPr>
+      </p:pic>
+      <p:cxnSp>
+        <p:nvCxnSpPr>
+          <p:cNvPr id="10" name="Straight Arrow Connector 9"/>
+          <p:cNvCxnSpPr/>
+          <p:nvPr/>
+        </p:nvCxnSpPr>
+        <p:spPr>
+          <a:xfrm>
+            <a:off x="9723476" y="4876243"/>
+            <a:ext cx="828740" cy="0"/>
+          </a:xfrm>
+          <a:prstGeom prst="straightConnector1">
+            <a:avLst/>
+          </a:prstGeom>
+          <a:ln>
+            <a:solidFill>
+              <a:schemeClr val="bg1"/>
+            </a:solidFill>
+            <a:tailEnd type="triangle"/>
+          </a:ln>
+        </p:spPr>
+        <p:style>
+          <a:lnRef idx="3">
+            <a:schemeClr val="dk1"/>
+          </a:lnRef>
+          <a:fillRef idx="0">
+            <a:schemeClr val="dk1"/>
+          </a:fillRef>
+          <a:effectRef idx="2">
+            <a:schemeClr val="dk1"/>
+          </a:effectRef>
+          <a:fontRef idx="minor">
+            <a:schemeClr val="tx1"/>
+          </a:fontRef>
+        </p:style>
+      </p:cxnSp>
+      <p:pic>
+        <p:nvPicPr>
+          <p:cNvPr id="13" name="Picture 12"/>
+          <p:cNvPicPr>
+            <a:picLocks noChangeAspect="1"/>
+          </p:cNvPicPr>
+          <p:nvPr/>
+        </p:nvPicPr>
+        <p:blipFill>
+          <a:blip r:embed="rId7">
+            <a:extLst>
+              <a:ext uri="{28A0092B-C50C-407E-A947-70E740481C1C}">
+                <a14:useLocalDpi xmlns:a14="http://schemas.microsoft.com/office/drawing/2010/main" val="0"/>
+              </a:ext>
+            </a:extLst>
+          </a:blip>
+          <a:stretch>
+            <a:fillRect/>
+          </a:stretch>
+        </p:blipFill>
+        <p:spPr>
+          <a:xfrm>
+            <a:off x="2656702" y="4929614"/>
+            <a:ext cx="3437240" cy="743714"/>
+          </a:xfrm>
+          <a:prstGeom prst="rect">
+            <a:avLst/>
+          </a:prstGeom>
+          <a:ln>
+            <a:noFill/>
+          </a:ln>
+          <a:effectLst>
+            <a:reflection blurRad="12700" stA="30000" endPos="30000" dist="5000" dir="5400000" sy="-100000" algn="bl" rotWithShape="0"/>
+          </a:effectLst>
+          <a:scene3d>
+            <a:camera prst="perspectiveContrastingLeftFacing">
+              <a:rot lat="300000" lon="19800000" rev="0"/>
+            </a:camera>
+            <a:lightRig rig="threePt" dir="t">
+              <a:rot lat="0" lon="0" rev="2700000"/>
+            </a:lightRig>
+          </a:scene3d>
+          <a:sp3d>
+            <a:bevelT w="63500" h="50800"/>
+          </a:sp3d>
+        </p:spPr>
+      </p:pic>
+      <p:pic>
+        <p:nvPicPr>
+          <p:cNvPr id="17" name="Picture 16"/>
+          <p:cNvPicPr>
+            <a:picLocks noChangeAspect="1"/>
+          </p:cNvPicPr>
+          <p:nvPr/>
+        </p:nvPicPr>
+        <p:blipFill rotWithShape="1">
+          <a:blip r:embed="rId8">
+            <a:extLst>
+              <a:ext uri="{28A0092B-C50C-407E-A947-70E740481C1C}">
+                <a14:useLocalDpi xmlns:a14="http://schemas.microsoft.com/office/drawing/2010/main" val="0"/>
+              </a:ext>
+            </a:extLst>
+          </a:blip>
+          <a:srcRect t="74502"/>
+          <a:stretch/>
+        </p:blipFill>
+        <p:spPr>
+          <a:xfrm>
+            <a:off x="3919235" y="4355351"/>
+            <a:ext cx="3451654" cy="751956"/>
+          </a:xfrm>
+          <a:prstGeom prst="rect">
+            <a:avLst/>
+          </a:prstGeom>
+          <a:ln>
+            <a:noFill/>
+          </a:ln>
+          <a:effectLst>
+            <a:reflection blurRad="12700" stA="30000" endPos="30000" dist="5000" dir="5400000" sy="-100000" algn="bl" rotWithShape="0"/>
+          </a:effectLst>
+          <a:scene3d>
+            <a:camera prst="perspectiveContrastingLeftFacing">
+              <a:rot lat="300000" lon="19800000" rev="0"/>
+            </a:camera>
+            <a:lightRig rig="threePt" dir="t">
+              <a:rot lat="0" lon="0" rev="2700000"/>
+            </a:lightRig>
+          </a:scene3d>
+          <a:sp3d>
+            <a:bevelT w="63500" h="50800"/>
+          </a:sp3d>
+        </p:spPr>
+      </p:pic>
+      <p:pic>
+        <p:nvPicPr>
+          <p:cNvPr id="19" name="Picture 18"/>
+          <p:cNvPicPr>
+            <a:picLocks noChangeAspect="1"/>
+          </p:cNvPicPr>
+          <p:nvPr/>
+        </p:nvPicPr>
+        <p:blipFill>
+          <a:blip r:embed="rId9">
+            <a:extLst>
+              <a:ext uri="{28A0092B-C50C-407E-A947-70E740481C1C}">
+                <a14:useLocalDpi xmlns:a14="http://schemas.microsoft.com/office/drawing/2010/main" val="0"/>
+              </a:ext>
+            </a:extLst>
+          </a:blip>
+          <a:stretch>
+            <a:fillRect/>
+          </a:stretch>
+        </p:blipFill>
+        <p:spPr>
+          <a:xfrm>
+            <a:off x="4961238" y="2762262"/>
+            <a:ext cx="3451654" cy="1890584"/>
+          </a:xfrm>
+          <a:prstGeom prst="rect">
+            <a:avLst/>
+          </a:prstGeom>
+          <a:ln>
+            <a:noFill/>
+          </a:ln>
+          <a:effectLst>
+            <a:reflection blurRad="12700" stA="30000" endPos="30000" dist="5000" dir="5400000" sy="-100000" algn="bl" rotWithShape="0"/>
+          </a:effectLst>
+          <a:scene3d>
+            <a:camera prst="perspectiveContrastingLeftFacing">
+              <a:rot lat="300000" lon="19800000" rev="0"/>
+            </a:camera>
+            <a:lightRig rig="threePt" dir="t">
+              <a:rot lat="0" lon="0" rev="2700000"/>
+            </a:lightRig>
+          </a:scene3d>
+          <a:sp3d>
+            <a:bevelT w="63500" h="50800"/>
+          </a:sp3d>
+        </p:spPr>
+      </p:pic>
+      <p:sp>
+        <p:nvSpPr>
+          <p:cNvPr id="22" name="TextBox 21"/>
+          <p:cNvSpPr txBox="1"/>
+          <p:nvPr/>
+        </p:nvSpPr>
+        <p:spPr>
+          <a:xfrm>
+            <a:off x="2088292" y="6103141"/>
+            <a:ext cx="1669624" cy="276999"/>
+          </a:xfrm>
+          <a:prstGeom prst="rect">
+            <a:avLst/>
+          </a:prstGeom>
+          <a:noFill/>
+        </p:spPr>
+        <p:txBody>
+          <a:bodyPr wrap="none" rtlCol="0">
+            <a:spAutoFit/>
+          </a:bodyPr>
+          <a:lstStyle/>
+          <a:p>
+            <a:r>
+              <a:rPr lang="en-PH" sz="1200" b="1" dirty="0">
+                <a:solidFill>
+                  <a:schemeClr val="bg1"/>
+                </a:solidFill>
+              </a:rPr>
+              <a:t>BACKGROUND AS BASE</a:t>
+            </a:r>
+          </a:p>
+        </p:txBody>
+      </p:sp>
+      <p:sp>
+        <p:nvSpPr>
+          <p:cNvPr id="23" name="TextBox 22"/>
+          <p:cNvSpPr txBox="1"/>
+          <p:nvPr/>
+        </p:nvSpPr>
+        <p:spPr>
+          <a:xfrm>
+            <a:off x="3269618" y="5673328"/>
+            <a:ext cx="1917256" cy="276999"/>
+          </a:xfrm>
+          <a:prstGeom prst="rect">
+            <a:avLst/>
+          </a:prstGeom>
+          <a:noFill/>
+        </p:spPr>
+        <p:txBody>
+          <a:bodyPr wrap="none" rtlCol="0">
+            <a:spAutoFit/>
+          </a:bodyPr>
+          <a:lstStyle/>
+          <a:p>
+            <a:r>
+              <a:rPr lang="en-PH" sz="1200" b="1" dirty="0">
+                <a:solidFill>
+                  <a:schemeClr val="bg1"/>
+                </a:solidFill>
+              </a:rPr>
+              <a:t>THEN THE PLATFORM BASE</a:t>
+            </a:r>
+          </a:p>
+        </p:txBody>
+      </p:sp>
+      <p:sp>
+        <p:nvSpPr>
+          <p:cNvPr id="24" name="TextBox 23"/>
+          <p:cNvSpPr txBox="1"/>
+          <p:nvPr/>
+        </p:nvSpPr>
+        <p:spPr>
+          <a:xfrm>
+            <a:off x="4537062" y="5107076"/>
+            <a:ext cx="1628587" cy="276999"/>
+          </a:xfrm>
+          <a:prstGeom prst="rect">
+            <a:avLst/>
+          </a:prstGeom>
+          <a:noFill/>
+        </p:spPr>
+        <p:txBody>
+          <a:bodyPr wrap="none" rtlCol="0">
+            <a:spAutoFit/>
+          </a:bodyPr>
+          <a:lstStyle/>
+          <a:p>
+            <a:r>
+              <a:rPr lang="en-PH" sz="1200" b="1" dirty="0">
+                <a:solidFill>
+                  <a:schemeClr val="bg1"/>
+                </a:solidFill>
+              </a:rPr>
+              <a:t>THEN THE PLATFORMS</a:t>
+            </a:r>
+          </a:p>
+        </p:txBody>
+      </p:sp>
+      <p:sp>
+        <p:nvSpPr>
+          <p:cNvPr id="25" name="TextBox 24"/>
+          <p:cNvSpPr txBox="1"/>
+          <p:nvPr/>
+        </p:nvSpPr>
+        <p:spPr>
+          <a:xfrm>
+            <a:off x="5663968" y="4645411"/>
+            <a:ext cx="2555380" cy="461665"/>
+          </a:xfrm>
+          <a:prstGeom prst="rect">
+            <a:avLst/>
+          </a:prstGeom>
+          <a:noFill/>
+        </p:spPr>
+        <p:txBody>
+          <a:bodyPr wrap="none" rtlCol="0">
+            <a:spAutoFit/>
+          </a:bodyPr>
+          <a:lstStyle/>
+          <a:p>
+            <a:pPr algn="ctr"/>
+            <a:r>
+              <a:rPr lang="en-PH" sz="1200" b="1" dirty="0">
+                <a:solidFill>
+                  <a:schemeClr val="bg1"/>
+                </a:solidFill>
+              </a:rPr>
+              <a:t>FINALLY THE OBSTACLES AND OTHER </a:t>
+            </a:r>
+          </a:p>
+          <a:p>
+            <a:pPr algn="ctr"/>
+            <a:r>
+              <a:rPr lang="en-PH" sz="1200" b="1" dirty="0">
+                <a:solidFill>
+                  <a:schemeClr val="bg1"/>
+                </a:solidFill>
+              </a:rPr>
+              <a:t>ELEMENTS OF THE GAME</a:t>
+            </a:r>
+          </a:p>
+        </p:txBody>
+      </p:sp>
+      <p:sp>
+        <p:nvSpPr>
+          <p:cNvPr id="26" name="TextBox 25"/>
+          <p:cNvSpPr txBox="1"/>
+          <p:nvPr/>
+        </p:nvSpPr>
+        <p:spPr>
+          <a:xfrm>
+            <a:off x="4228246" y="1791982"/>
+            <a:ext cx="2565189" cy="461665"/>
+          </a:xfrm>
+          <a:prstGeom prst="rect">
+            <a:avLst/>
+          </a:prstGeom>
+          <a:noFill/>
+        </p:spPr>
+        <p:txBody>
+          <a:bodyPr wrap="none" rtlCol="0">
+            <a:spAutoFit/>
+          </a:bodyPr>
+          <a:lstStyle/>
+          <a:p>
+            <a:r>
+              <a:rPr lang="en-PH" sz="2400" b="1" dirty="0">
+                <a:solidFill>
+                  <a:schemeClr val="bg1"/>
+                </a:solidFill>
+              </a:rPr>
+              <a:t>GAME STRUCTURE</a:t>
+            </a:r>
+          </a:p>
+        </p:txBody>
+      </p:sp>
+      <p:sp>
+        <p:nvSpPr>
+          <p:cNvPr id="27" name="TextBox 26"/>
+          <p:cNvSpPr txBox="1"/>
+          <p:nvPr/>
+        </p:nvSpPr>
+        <p:spPr>
+          <a:xfrm>
+            <a:off x="8743700" y="5504050"/>
+            <a:ext cx="750398" cy="307777"/>
+          </a:xfrm>
+          <a:prstGeom prst="rect">
+            <a:avLst/>
+          </a:prstGeom>
+          <a:noFill/>
+        </p:spPr>
+        <p:txBody>
+          <a:bodyPr wrap="none" rtlCol="0">
+            <a:spAutoFit/>
+          </a:bodyPr>
+          <a:lstStyle/>
+          <a:p>
+            <a:r>
+              <a:rPr lang="en-PH" sz="1400" b="1" dirty="0">
+                <a:solidFill>
+                  <a:schemeClr val="bg1"/>
+                </a:solidFill>
+              </a:rPr>
+              <a:t>DESIGN</a:t>
+            </a:r>
+          </a:p>
+        </p:txBody>
+      </p:sp>
+      <p:sp>
+        <p:nvSpPr>
+          <p:cNvPr id="29" name="TextBox 28"/>
+          <p:cNvSpPr txBox="1"/>
+          <p:nvPr/>
+        </p:nvSpPr>
+        <p:spPr>
+          <a:xfrm>
+            <a:off x="10781594" y="5502593"/>
+            <a:ext cx="691215" cy="307777"/>
+          </a:xfrm>
+          <a:prstGeom prst="rect">
+            <a:avLst/>
+          </a:prstGeom>
+          <a:noFill/>
+        </p:spPr>
+        <p:txBody>
+          <a:bodyPr wrap="none" rtlCol="0">
+            <a:spAutoFit/>
+          </a:bodyPr>
+          <a:lstStyle/>
+          <a:p>
+            <a:r>
+              <a:rPr lang="en-PH" sz="1400" b="1" dirty="0">
+                <a:solidFill>
+                  <a:schemeClr val="bg1"/>
+                </a:solidFill>
+              </a:rPr>
+              <a:t>SPRITE</a:t>
+            </a:r>
+          </a:p>
+        </p:txBody>
+      </p:sp>
+    </p:spTree>
+    <p:extLst>
+      <p:ext uri="{BB962C8B-B14F-4D97-AF65-F5344CB8AC3E}">
+        <p14:creationId xmlns:p14="http://schemas.microsoft.com/office/powerpoint/2010/main" val="3143185631"/>
+      </p:ext>
+    </p:extLst>
+  </p:cSld>
+  <p:clrMapOvr>
+    <a:masterClrMapping/>
+  </p:clrMapOvr>
+</p:sld>
+</file>
+
+<file path=ppt/slides/slide12.xml><?xml version="1.0" encoding="utf-8"?>
+<p:sld xmlns:a="http://schemas.openxmlformats.org/drawingml/2006/main" xmlns:r="http://schemas.openxmlformats.org/officeDocument/2006/relationships" xmlns:p="http://schemas.openxmlformats.org/presentationml/2006/main">
+  <p:cSld>
+    <p:spTree>
+      <p:nvGrpSpPr>
+        <p:cNvPr id="1" name=""/>
+        <p:cNvGrpSpPr/>
+        <p:nvPr/>
+      </p:nvGrpSpPr>
+      <p:grpSpPr>
+        <a:xfrm>
+          <a:off x="0" y="0"/>
+          <a:ext cx="0" cy="0"/>
+          <a:chOff x="0" y="0"/>
+          <a:chExt cx="0" cy="0"/>
+        </a:xfrm>
+      </p:grpSpPr>
+      <p:pic>
+        <p:nvPicPr>
           <p:cNvPr id="5" name="Content Placeholder 3"/>
           <p:cNvPicPr>
             <a:picLocks noChangeAspect="1"/>
@@ -3363,7 +4300,7 @@
         </p:nvSpPr>
         <p:spPr>
           <a:xfrm>
-            <a:off x="1705232" y="593124"/>
+            <a:off x="1705233" y="125616"/>
             <a:ext cx="9648567" cy="1097564"/>
           </a:xfrm>
         </p:spPr>
@@ -3373,6 +4310,7 @@
           </a:bodyPr>
           <a:lstStyle/>
           <a:p>
+            <a:pPr algn="ctr"/>
             <a:r>
               <a:rPr lang="en-PH" b="1" dirty="0">
                 <a:ln w="22225">
@@ -3395,38 +4333,418 @@
           </a:p>
         </p:txBody>
       </p:sp>
-      <p:sp>
-        <p:nvSpPr>
-          <p:cNvPr id="3" name="Content Placeholder 2"/>
+      <p:pic>
+        <p:nvPicPr>
+          <p:cNvPr id="4" name="Content Placeholder 3"/>
+          <p:cNvPicPr>
+            <a:picLocks noGrp="1" noChangeAspect="1"/>
+          </p:cNvPicPr>
+          <p:nvPr>
+            <p:ph idx="1"/>
+          </p:nvPr>
+        </p:nvPicPr>
+        <p:blipFill>
+          <a:blip r:embed="rId3">
+            <a:extLst>
+              <a:ext uri="{28A0092B-C50C-407E-A947-70E740481C1C}">
+                <a14:useLocalDpi xmlns:a14="http://schemas.microsoft.com/office/drawing/2010/main" val="0"/>
+              </a:ext>
+            </a:extLst>
+          </a:blip>
+          <a:stretch>
+            <a:fillRect/>
+          </a:stretch>
+        </p:blipFill>
+        <p:spPr>
+          <a:xfrm>
+            <a:off x="1859394" y="1516634"/>
+            <a:ext cx="3517236" cy="2331544"/>
+          </a:xfrm>
+        </p:spPr>
+      </p:pic>
+      <p:pic>
+        <p:nvPicPr>
+          <p:cNvPr id="6" name="Picture 5"/>
+          <p:cNvPicPr>
+            <a:picLocks noChangeAspect="1"/>
+          </p:cNvPicPr>
+          <p:nvPr/>
+        </p:nvPicPr>
+        <p:blipFill>
+          <a:blip r:embed="rId4">
+            <a:extLst>
+              <a:ext uri="{28A0092B-C50C-407E-A947-70E740481C1C}">
+                <a14:useLocalDpi xmlns:a14="http://schemas.microsoft.com/office/drawing/2010/main" val="0"/>
+              </a:ext>
+            </a:extLst>
+          </a:blip>
+          <a:stretch>
+            <a:fillRect/>
+          </a:stretch>
+        </p:blipFill>
+        <p:spPr>
+          <a:xfrm>
+            <a:off x="1859395" y="4020113"/>
+            <a:ext cx="3517236" cy="2313185"/>
+          </a:xfrm>
+          <a:prstGeom prst="rect">
+            <a:avLst/>
+          </a:prstGeom>
+        </p:spPr>
+      </p:pic>
+      <p:pic>
+        <p:nvPicPr>
+          <p:cNvPr id="7" name="Picture 6"/>
+          <p:cNvPicPr>
+            <a:picLocks noChangeAspect="1"/>
+          </p:cNvPicPr>
+          <p:nvPr/>
+        </p:nvPicPr>
+        <p:blipFill>
+          <a:blip r:embed="rId5">
+            <a:extLst>
+              <a:ext uri="{28A0092B-C50C-407E-A947-70E740481C1C}">
+                <a14:useLocalDpi xmlns:a14="http://schemas.microsoft.com/office/drawing/2010/main" val="0"/>
+              </a:ext>
+            </a:extLst>
+          </a:blip>
+          <a:stretch>
+            <a:fillRect/>
+          </a:stretch>
+        </p:blipFill>
+        <p:spPr>
+          <a:xfrm>
+            <a:off x="5865365" y="2016808"/>
+            <a:ext cx="2397210" cy="3159897"/>
+          </a:xfrm>
+          <a:prstGeom prst="rect">
+            <a:avLst/>
+          </a:prstGeom>
+        </p:spPr>
+      </p:pic>
+      <p:pic>
+        <p:nvPicPr>
+          <p:cNvPr id="8" name="Picture 7"/>
+          <p:cNvPicPr>
+            <a:picLocks noChangeAspect="1"/>
+          </p:cNvPicPr>
+          <p:nvPr/>
+        </p:nvPicPr>
+        <p:blipFill>
+          <a:blip r:embed="rId6">
+            <a:extLst>
+              <a:ext uri="{28A0092B-C50C-407E-A947-70E740481C1C}">
+                <a14:useLocalDpi xmlns:a14="http://schemas.microsoft.com/office/drawing/2010/main" val="0"/>
+              </a:ext>
+            </a:extLst>
+          </a:blip>
+          <a:stretch>
+            <a:fillRect/>
+          </a:stretch>
+        </p:blipFill>
+        <p:spPr>
+          <a:xfrm>
+            <a:off x="8751309" y="2016807"/>
+            <a:ext cx="2369923" cy="3159897"/>
+          </a:xfrm>
+          <a:prstGeom prst="rect">
+            <a:avLst/>
+          </a:prstGeom>
+        </p:spPr>
+      </p:pic>
+    </p:spTree>
+    <p:extLst>
+      <p:ext uri="{BB962C8B-B14F-4D97-AF65-F5344CB8AC3E}">
+        <p14:creationId xmlns:p14="http://schemas.microsoft.com/office/powerpoint/2010/main" val="1344396493"/>
+      </p:ext>
+    </p:extLst>
+  </p:cSld>
+  <p:clrMapOvr>
+    <a:masterClrMapping/>
+  </p:clrMapOvr>
+</p:sld>
+</file>
+
+<file path=ppt/slides/slide13.xml><?xml version="1.0" encoding="utf-8"?>
+<p:sld xmlns:a="http://schemas.openxmlformats.org/drawingml/2006/main" xmlns:r="http://schemas.openxmlformats.org/officeDocument/2006/relationships" xmlns:p="http://schemas.openxmlformats.org/presentationml/2006/main">
+  <p:cSld>
+    <p:spTree>
+      <p:nvGrpSpPr>
+        <p:cNvPr id="1" name=""/>
+        <p:cNvGrpSpPr/>
+        <p:nvPr/>
+      </p:nvGrpSpPr>
+      <p:grpSpPr>
+        <a:xfrm>
+          <a:off x="0" y="0"/>
+          <a:ext cx="0" cy="0"/>
+          <a:chOff x="0" y="0"/>
+          <a:chExt cx="0" cy="0"/>
+        </a:xfrm>
+      </p:grpSpPr>
+      <p:pic>
+        <p:nvPicPr>
+          <p:cNvPr id="5" name="Content Placeholder 3"/>
+          <p:cNvPicPr>
+            <a:picLocks noChangeAspect="1"/>
+          </p:cNvPicPr>
+          <p:nvPr/>
+        </p:nvPicPr>
+        <p:blipFill rotWithShape="1">
+          <a:blip r:embed="rId2">
+            <a:extLst>
+              <a:ext uri="{28A0092B-C50C-407E-A947-70E740481C1C}">
+                <a14:useLocalDpi xmlns:a14="http://schemas.microsoft.com/office/drawing/2010/main" val="0"/>
+              </a:ext>
+            </a:extLst>
+          </a:blip>
+          <a:srcRect t="13334" b="24923"/>
+          <a:stretch/>
+        </p:blipFill>
+        <p:spPr>
+          <a:xfrm rot="5400000">
+            <a:off x="-2576384" y="2576385"/>
+            <a:ext cx="6858001" cy="1705231"/>
+          </a:xfrm>
+          <a:prstGeom prst="rect">
+            <a:avLst/>
+          </a:prstGeom>
+        </p:spPr>
+      </p:pic>
+      <p:sp>
+        <p:nvSpPr>
+          <p:cNvPr id="2" name="Title 1"/>
           <p:cNvSpPr>
             <a:spLocks noGrp="1"/>
           </p:cNvSpPr>
           <p:nvPr>
+            <p:ph type="title"/>
+          </p:nvPr>
+        </p:nvSpPr>
+        <p:spPr>
+          <a:xfrm>
+            <a:off x="1705233" y="160638"/>
+            <a:ext cx="9648567" cy="1097564"/>
+          </a:xfrm>
+        </p:spPr>
+        <p:txBody>
+          <a:bodyPr>
+            <a:normAutofit/>
+          </a:bodyPr>
+          <a:lstStyle/>
+          <a:p>
+            <a:pPr algn="ctr"/>
+            <a:r>
+              <a:rPr lang="en-PH" b="1" dirty="0">
+                <a:ln w="22225">
+                  <a:solidFill>
+                    <a:schemeClr val="bg1"/>
+                  </a:solidFill>
+                  <a:prstDash val="solid"/>
+                </a:ln>
+                <a:effectLst>
+                  <a:glow rad="101600">
+                    <a:schemeClr val="bg1">
+                      <a:alpha val="60000"/>
+                    </a:schemeClr>
+                  </a:glow>
+                </a:effectLst>
+                <a:latin typeface="ZX-Spectrum" panose="020B0600000000000000" pitchFamily="34" charset="0"/>
+              </a:rPr>
+              <a:t>GAME CREATORS</a:t>
+            </a:r>
+          </a:p>
+        </p:txBody>
+      </p:sp>
+      <p:pic>
+        <p:nvPicPr>
+          <p:cNvPr id="4" name="Content Placeholder 3"/>
+          <p:cNvPicPr>
+            <a:picLocks noGrp="1" noChangeAspect="1"/>
+          </p:cNvPicPr>
+          <p:nvPr>
             <p:ph idx="1"/>
           </p:nvPr>
-        </p:nvSpPr>
-        <p:spPr>
-          <a:xfrm>
-            <a:off x="1705232" y="1690688"/>
-            <a:ext cx="10033687" cy="4660685"/>
-          </a:xfrm>
-        </p:spPr>
-        <p:txBody>
-          <a:bodyPr/>
-          <a:lstStyle/>
-          <a:p>
-            <a:endParaRPr lang="en-PH" dirty="0">
-              <a:solidFill>
-                <a:schemeClr val="bg1"/>
-              </a:solidFill>
-            </a:endParaRPr>
+        </p:nvPicPr>
+        <p:blipFill rotWithShape="1">
+          <a:blip r:embed="rId3">
+            <a:extLst>
+              <a:ext uri="{28A0092B-C50C-407E-A947-70E740481C1C}">
+                <a14:useLocalDpi xmlns:a14="http://schemas.microsoft.com/office/drawing/2010/main" val="0"/>
+              </a:ext>
+            </a:extLst>
+          </a:blip>
+          <a:srcRect r="74352" b="49288"/>
+          <a:stretch/>
+        </p:blipFill>
+        <p:spPr>
+          <a:xfrm>
+            <a:off x="2360140" y="2156254"/>
+            <a:ext cx="2347247" cy="2320511"/>
+          </a:xfrm>
+        </p:spPr>
+      </p:pic>
+      <p:pic>
+        <p:nvPicPr>
+          <p:cNvPr id="6" name="Picture 5"/>
+          <p:cNvPicPr>
+            <a:picLocks noChangeAspect="1"/>
+          </p:cNvPicPr>
+          <p:nvPr/>
+        </p:nvPicPr>
+        <p:blipFill rotWithShape="1">
+          <a:blip r:embed="rId4">
+            <a:extLst>
+              <a:ext uri="{28A0092B-C50C-407E-A947-70E740481C1C}">
+                <a14:useLocalDpi xmlns:a14="http://schemas.microsoft.com/office/drawing/2010/main" val="0"/>
+              </a:ext>
+            </a:extLst>
+          </a:blip>
+          <a:srcRect r="75078" b="49774"/>
+          <a:stretch/>
+        </p:blipFill>
+        <p:spPr>
+          <a:xfrm>
+            <a:off x="5449328" y="2111543"/>
+            <a:ext cx="2347248" cy="2365222"/>
+          </a:xfrm>
+          <a:prstGeom prst="rect">
+            <a:avLst/>
+          </a:prstGeom>
+        </p:spPr>
+      </p:pic>
+      <p:pic>
+        <p:nvPicPr>
+          <p:cNvPr id="7" name="Picture 6"/>
+          <p:cNvPicPr>
+            <a:picLocks noChangeAspect="1"/>
+          </p:cNvPicPr>
+          <p:nvPr/>
+        </p:nvPicPr>
+        <p:blipFill rotWithShape="1">
+          <a:blip r:embed="rId5">
+            <a:extLst>
+              <a:ext uri="{28A0092B-C50C-407E-A947-70E740481C1C}">
+                <a14:useLocalDpi xmlns:a14="http://schemas.microsoft.com/office/drawing/2010/main" val="0"/>
+              </a:ext>
+            </a:extLst>
+          </a:blip>
+          <a:srcRect r="74772" b="49490"/>
+          <a:stretch/>
+        </p:blipFill>
+        <p:spPr>
+          <a:xfrm>
+            <a:off x="8538517" y="2156254"/>
+            <a:ext cx="2347246" cy="2349724"/>
+          </a:xfrm>
+          <a:prstGeom prst="rect">
+            <a:avLst/>
+          </a:prstGeom>
+        </p:spPr>
+      </p:pic>
+      <p:sp>
+        <p:nvSpPr>
+          <p:cNvPr id="3" name="TextBox 2"/>
+          <p:cNvSpPr txBox="1"/>
+          <p:nvPr/>
+        </p:nvSpPr>
+        <p:spPr>
+          <a:xfrm>
+            <a:off x="2582508" y="4505978"/>
+            <a:ext cx="1899431" cy="369332"/>
+          </a:xfrm>
+          <a:prstGeom prst="rect">
+            <a:avLst/>
+          </a:prstGeom>
+          <a:noFill/>
+        </p:spPr>
+        <p:txBody>
+          <a:bodyPr wrap="none" rtlCol="0">
+            <a:spAutoFit/>
+          </a:bodyPr>
+          <a:lstStyle/>
+          <a:p>
+            <a:r>
+              <a:rPr lang="en-PH" b="1" dirty="0">
+                <a:solidFill>
+                  <a:schemeClr val="bg1"/>
+                </a:solidFill>
+              </a:rPr>
+              <a:t>AILEEN SABELLON</a:t>
+            </a:r>
+          </a:p>
+        </p:txBody>
+      </p:sp>
+      <p:sp>
+        <p:nvSpPr>
+          <p:cNvPr id="8" name="TextBox 7"/>
+          <p:cNvSpPr txBox="1"/>
+          <p:nvPr/>
+        </p:nvSpPr>
+        <p:spPr>
+          <a:xfrm>
+            <a:off x="5679609" y="4505978"/>
+            <a:ext cx="1981633" cy="369332"/>
+          </a:xfrm>
+          <a:prstGeom prst="rect">
+            <a:avLst/>
+          </a:prstGeom>
+          <a:noFill/>
+        </p:spPr>
+        <p:txBody>
+          <a:bodyPr wrap="none" rtlCol="0">
+            <a:spAutoFit/>
+          </a:bodyPr>
+          <a:lstStyle/>
+          <a:p>
+            <a:r>
+              <a:rPr lang="en-PH" b="1" dirty="0">
+                <a:solidFill>
+                  <a:schemeClr val="bg1"/>
+                </a:solidFill>
+              </a:rPr>
+              <a:t>KENNETH DE VERA</a:t>
+            </a:r>
+          </a:p>
+        </p:txBody>
+      </p:sp>
+      <p:sp>
+        <p:nvSpPr>
+          <p:cNvPr id="9" name="TextBox 8"/>
+          <p:cNvSpPr txBox="1"/>
+          <p:nvPr/>
+        </p:nvSpPr>
+        <p:spPr>
+          <a:xfrm>
+            <a:off x="8765599" y="4505978"/>
+            <a:ext cx="1893082" cy="369332"/>
+          </a:xfrm>
+          <a:prstGeom prst="rect">
+            <a:avLst/>
+          </a:prstGeom>
+          <a:noFill/>
+        </p:spPr>
+        <p:txBody>
+          <a:bodyPr wrap="none" rtlCol="0">
+            <a:spAutoFit/>
+          </a:bodyPr>
+          <a:lstStyle/>
+          <a:p>
+            <a:r>
+              <a:rPr lang="en-PH" b="1" dirty="0">
+                <a:solidFill>
+                  <a:schemeClr val="bg1"/>
+                </a:solidFill>
+              </a:rPr>
+              <a:t>MARIENNE LOPEZ</a:t>
+            </a:r>
           </a:p>
         </p:txBody>
       </p:sp>
     </p:spTree>
     <p:extLst>
       <p:ext uri="{BB962C8B-B14F-4D97-AF65-F5344CB8AC3E}">
-        <p14:creationId xmlns:p14="http://schemas.microsoft.com/office/powerpoint/2010/main" val="1344396493"/>
+        <p14:creationId xmlns:p14="http://schemas.microsoft.com/office/powerpoint/2010/main" val="1122145037"/>
       </p:ext>
     </p:extLst>
   </p:cSld>
@@ -3540,7 +4858,7 @@
           <a:lstStyle/>
           <a:p>
             <a:pPr algn="ctr"/>
-            <a:endParaRPr lang="en-US"/>
+            <a:endParaRPr lang="en-US" b="1"/>
           </a:p>
         </p:txBody>
       </p:sp>
@@ -3707,7 +5025,7 @@
         </p:nvSpPr>
         <p:spPr>
           <a:xfrm>
-            <a:off x="1705232" y="593124"/>
+            <a:off x="1705233" y="111211"/>
             <a:ext cx="9648567" cy="1097564"/>
           </a:xfrm>
         </p:spPr>
@@ -3737,27 +5055,750 @@
           </a:p>
         </p:txBody>
       </p:sp>
-      <p:sp>
-        <p:nvSpPr>
-          <p:cNvPr id="9" name="Content Placeholder 8"/>
-          <p:cNvSpPr>
-            <a:spLocks noGrp="1"/>
-          </p:cNvSpPr>
-          <p:nvPr>
-            <p:ph idx="1"/>
-          </p:nvPr>
-        </p:nvSpPr>
-        <p:spPr>
-          <a:xfrm>
-            <a:off x="1705232" y="1973942"/>
-            <a:ext cx="10359768" cy="4275591"/>
-          </a:xfrm>
-        </p:spPr>
-        <p:txBody>
-          <a:bodyPr/>
-          <a:lstStyle/>
-          <a:p>
-            <a:endParaRPr lang="en-PH" dirty="0"/>
+      <p:pic>
+        <p:nvPicPr>
+          <p:cNvPr id="6" name="Content Placeholder 3"/>
+          <p:cNvPicPr>
+            <a:picLocks noChangeAspect="1"/>
+          </p:cNvPicPr>
+          <p:nvPr/>
+        </p:nvPicPr>
+        <p:blipFill>
+          <a:blip r:embed="rId3">
+            <a:extLst>
+              <a:ext uri="{28A0092B-C50C-407E-A947-70E740481C1C}">
+                <a14:useLocalDpi xmlns:a14="http://schemas.microsoft.com/office/drawing/2010/main" val="0"/>
+              </a:ext>
+            </a:extLst>
+          </a:blip>
+          <a:stretch>
+            <a:fillRect/>
+          </a:stretch>
+        </p:blipFill>
+        <p:spPr>
+          <a:xfrm>
+            <a:off x="2258415" y="1761791"/>
+            <a:ext cx="980112" cy="980112"/>
+          </a:xfrm>
+          <a:prstGeom prst="rect">
+            <a:avLst/>
+          </a:prstGeom>
+        </p:spPr>
+      </p:pic>
+      <p:pic>
+        <p:nvPicPr>
+          <p:cNvPr id="3" name="Picture 2"/>
+          <p:cNvPicPr>
+            <a:picLocks noChangeAspect="1"/>
+          </p:cNvPicPr>
+          <p:nvPr/>
+        </p:nvPicPr>
+        <p:blipFill rotWithShape="1">
+          <a:blip r:embed="rId4">
+            <a:extLst>
+              <a:ext uri="{28A0092B-C50C-407E-A947-70E740481C1C}">
+                <a14:useLocalDpi xmlns:a14="http://schemas.microsoft.com/office/drawing/2010/main" val="0"/>
+              </a:ext>
+            </a:extLst>
+          </a:blip>
+          <a:srcRect r="59758"/>
+          <a:stretch/>
+        </p:blipFill>
+        <p:spPr>
+          <a:xfrm>
+            <a:off x="4230553" y="1593381"/>
+            <a:ext cx="4130643" cy="4089472"/>
+          </a:xfrm>
+          <a:prstGeom prst="rect">
+            <a:avLst/>
+          </a:prstGeom>
+        </p:spPr>
+      </p:pic>
+      <p:sp>
+        <p:nvSpPr>
+          <p:cNvPr id="4" name="TextBox 3"/>
+          <p:cNvSpPr txBox="1"/>
+          <p:nvPr/>
+        </p:nvSpPr>
+        <p:spPr>
+          <a:xfrm>
+            <a:off x="4558060" y="5744293"/>
+            <a:ext cx="3475631" cy="646331"/>
+          </a:xfrm>
+          <a:prstGeom prst="rect">
+            <a:avLst/>
+          </a:prstGeom>
+          <a:noFill/>
+        </p:spPr>
+        <p:txBody>
+          <a:bodyPr wrap="none" rtlCol="0">
+            <a:spAutoFit/>
+          </a:bodyPr>
+          <a:lstStyle/>
+          <a:p>
+            <a:pPr algn="ctr"/>
+            <a:r>
+              <a:rPr lang="en-PH" b="1" dirty="0">
+                <a:solidFill>
+                  <a:schemeClr val="bg1"/>
+                </a:solidFill>
+              </a:rPr>
+              <a:t>STYLIZED GEOMETRY SHAPES FOR </a:t>
+            </a:r>
+          </a:p>
+          <a:p>
+            <a:pPr algn="ctr"/>
+            <a:r>
+              <a:rPr lang="en-PH" b="1" dirty="0">
+                <a:solidFill>
+                  <a:schemeClr val="bg1"/>
+                </a:solidFill>
+              </a:rPr>
+              <a:t>OBSTACLES AND PLATFORM</a:t>
+            </a:r>
+          </a:p>
+        </p:txBody>
+      </p:sp>
+      <p:sp>
+        <p:nvSpPr>
+          <p:cNvPr id="7" name="TextBox 6"/>
+          <p:cNvSpPr txBox="1"/>
+          <p:nvPr/>
+        </p:nvSpPr>
+        <p:spPr>
+          <a:xfrm>
+            <a:off x="1768612" y="2741903"/>
+            <a:ext cx="2118913" cy="830997"/>
+          </a:xfrm>
+          <a:prstGeom prst="rect">
+            <a:avLst/>
+          </a:prstGeom>
+          <a:noFill/>
+        </p:spPr>
+        <p:txBody>
+          <a:bodyPr wrap="none" rtlCol="0">
+            <a:spAutoFit/>
+          </a:bodyPr>
+          <a:lstStyle/>
+          <a:p>
+            <a:pPr algn="ctr"/>
+            <a:r>
+              <a:rPr lang="en-PH" sz="1600" b="1" dirty="0">
+                <a:solidFill>
+                  <a:schemeClr val="bg1"/>
+                </a:solidFill>
+              </a:rPr>
+              <a:t>CHARACTER ART USES </a:t>
+            </a:r>
+          </a:p>
+          <a:p>
+            <a:pPr algn="ctr"/>
+            <a:r>
+              <a:rPr lang="en-PH" sz="1600" b="1" dirty="0">
+                <a:solidFill>
+                  <a:schemeClr val="bg1"/>
+                </a:solidFill>
+              </a:rPr>
+              <a:t>A SIMPLE CIRCULAR </a:t>
+            </a:r>
+          </a:p>
+          <a:p>
+            <a:pPr algn="ctr"/>
+            <a:r>
+              <a:rPr lang="en-PH" sz="1600" b="1" dirty="0">
+                <a:solidFill>
+                  <a:schemeClr val="bg1"/>
+                </a:solidFill>
+              </a:rPr>
+              <a:t>GEOMETRY SHAPE</a:t>
+            </a:r>
+          </a:p>
+        </p:txBody>
+      </p:sp>
+      <p:pic>
+        <p:nvPicPr>
+          <p:cNvPr id="10" name="Content Placeholder 3"/>
+          <p:cNvPicPr>
+            <a:picLocks noChangeAspect="1"/>
+          </p:cNvPicPr>
+          <p:nvPr/>
+        </p:nvPicPr>
+        <p:blipFill>
+          <a:blip r:embed="rId3">
+            <a:extLst>
+              <a:ext uri="{28A0092B-C50C-407E-A947-70E740481C1C}">
+                <a14:useLocalDpi xmlns:a14="http://schemas.microsoft.com/office/drawing/2010/main" val="0"/>
+              </a:ext>
+            </a:extLst>
+          </a:blip>
+          <a:stretch>
+            <a:fillRect/>
+          </a:stretch>
+        </p:blipFill>
+        <p:spPr>
+          <a:xfrm flipH="1">
+            <a:off x="8793686" y="664781"/>
+            <a:ext cx="655205" cy="655205"/>
+          </a:xfrm>
+          <a:prstGeom prst="rect">
+            <a:avLst/>
+          </a:prstGeom>
+        </p:spPr>
+      </p:pic>
+      <p:pic>
+        <p:nvPicPr>
+          <p:cNvPr id="11" name="Picture 10"/>
+          <p:cNvPicPr>
+            <a:picLocks noChangeAspect="1"/>
+          </p:cNvPicPr>
+          <p:nvPr/>
+        </p:nvPicPr>
+        <p:blipFill>
+          <a:blip r:embed="rId5">
+            <a:extLst>
+              <a:ext uri="{28A0092B-C50C-407E-A947-70E740481C1C}">
+                <a14:useLocalDpi xmlns:a14="http://schemas.microsoft.com/office/drawing/2010/main" val="0"/>
+              </a:ext>
+            </a:extLst>
+          </a:blip>
+          <a:stretch>
+            <a:fillRect/>
+          </a:stretch>
+        </p:blipFill>
+        <p:spPr>
+          <a:xfrm flipH="1">
+            <a:off x="11353012" y="664782"/>
+            <a:ext cx="655205" cy="655205"/>
+          </a:xfrm>
+          <a:prstGeom prst="rect">
+            <a:avLst/>
+          </a:prstGeom>
+        </p:spPr>
+      </p:pic>
+      <p:pic>
+        <p:nvPicPr>
+          <p:cNvPr id="12" name="Picture 11"/>
+          <p:cNvPicPr>
+            <a:picLocks noChangeAspect="1"/>
+          </p:cNvPicPr>
+          <p:nvPr/>
+        </p:nvPicPr>
+        <p:blipFill>
+          <a:blip r:embed="rId6">
+            <a:extLst>
+              <a:ext uri="{28A0092B-C50C-407E-A947-70E740481C1C}">
+                <a14:useLocalDpi xmlns:a14="http://schemas.microsoft.com/office/drawing/2010/main" val="0"/>
+              </a:ext>
+            </a:extLst>
+          </a:blip>
+          <a:stretch>
+            <a:fillRect/>
+          </a:stretch>
+        </p:blipFill>
+        <p:spPr>
+          <a:xfrm flipH="1">
+            <a:off x="10450615" y="664782"/>
+            <a:ext cx="655205" cy="655205"/>
+          </a:xfrm>
+          <a:prstGeom prst="rect">
+            <a:avLst/>
+          </a:prstGeom>
+        </p:spPr>
+      </p:pic>
+      <p:pic>
+        <p:nvPicPr>
+          <p:cNvPr id="13" name="Picture 12"/>
+          <p:cNvPicPr>
+            <a:picLocks noChangeAspect="1"/>
+          </p:cNvPicPr>
+          <p:nvPr/>
+        </p:nvPicPr>
+        <p:blipFill>
+          <a:blip r:embed="rId7">
+            <a:extLst>
+              <a:ext uri="{28A0092B-C50C-407E-A947-70E740481C1C}">
+                <a14:useLocalDpi xmlns:a14="http://schemas.microsoft.com/office/drawing/2010/main" val="0"/>
+              </a:ext>
+            </a:extLst>
+          </a:blip>
+          <a:stretch>
+            <a:fillRect/>
+          </a:stretch>
+        </p:blipFill>
+        <p:spPr>
+          <a:xfrm flipH="1">
+            <a:off x="9581748" y="664781"/>
+            <a:ext cx="655205" cy="655205"/>
+          </a:xfrm>
+          <a:prstGeom prst="rect">
+            <a:avLst/>
+          </a:prstGeom>
+        </p:spPr>
+      </p:pic>
+      <p:cxnSp>
+        <p:nvCxnSpPr>
+          <p:cNvPr id="14" name="Curved Connector 13"/>
+          <p:cNvCxnSpPr>
+            <a:stCxn id="10" idx="2"/>
+            <a:endCxn id="13" idx="2"/>
+          </p:cNvCxnSpPr>
+          <p:nvPr/>
+        </p:nvCxnSpPr>
+        <p:spPr>
+          <a:xfrm rot="16200000" flipH="1">
+            <a:off x="9515319" y="925955"/>
+            <a:ext cx="12700" cy="788062"/>
+          </a:xfrm>
+          <a:prstGeom prst="curvedConnector3">
+            <a:avLst>
+              <a:gd name="adj1" fmla="val 1800000"/>
+            </a:avLst>
+          </a:prstGeom>
+          <a:ln>
+            <a:solidFill>
+              <a:schemeClr val="bg1"/>
+            </a:solidFill>
+            <a:tailEnd type="triangle"/>
+          </a:ln>
+        </p:spPr>
+        <p:style>
+          <a:lnRef idx="1">
+            <a:schemeClr val="accent1"/>
+          </a:lnRef>
+          <a:fillRef idx="0">
+            <a:schemeClr val="accent1"/>
+          </a:fillRef>
+          <a:effectRef idx="0">
+            <a:schemeClr val="accent1"/>
+          </a:effectRef>
+          <a:fontRef idx="minor">
+            <a:schemeClr val="tx1"/>
+          </a:fontRef>
+        </p:style>
+      </p:cxnSp>
+      <p:cxnSp>
+        <p:nvCxnSpPr>
+          <p:cNvPr id="15" name="Curved Connector 14"/>
+          <p:cNvCxnSpPr>
+            <a:stCxn id="13" idx="0"/>
+            <a:endCxn id="12" idx="0"/>
+          </p:cNvCxnSpPr>
+          <p:nvPr/>
+        </p:nvCxnSpPr>
+        <p:spPr>
+          <a:xfrm rot="16200000" flipH="1">
+            <a:off x="10343782" y="230348"/>
+            <a:ext cx="1" cy="868867"/>
+          </a:xfrm>
+          <a:prstGeom prst="curvedConnector3">
+            <a:avLst>
+              <a:gd name="adj1" fmla="val -22860000000"/>
+            </a:avLst>
+          </a:prstGeom>
+          <a:ln>
+            <a:solidFill>
+              <a:schemeClr val="bg1"/>
+            </a:solidFill>
+            <a:tailEnd type="triangle"/>
+          </a:ln>
+        </p:spPr>
+        <p:style>
+          <a:lnRef idx="1">
+            <a:schemeClr val="accent1"/>
+          </a:lnRef>
+          <a:fillRef idx="0">
+            <a:schemeClr val="accent1"/>
+          </a:fillRef>
+          <a:effectRef idx="0">
+            <a:schemeClr val="accent1"/>
+          </a:effectRef>
+          <a:fontRef idx="minor">
+            <a:schemeClr val="tx1"/>
+          </a:fontRef>
+        </p:style>
+      </p:cxnSp>
+      <p:cxnSp>
+        <p:nvCxnSpPr>
+          <p:cNvPr id="21" name="Curved Connector 20"/>
+          <p:cNvCxnSpPr/>
+          <p:nvPr/>
+        </p:nvCxnSpPr>
+        <p:spPr>
+          <a:xfrm rot="16200000" flipH="1">
+            <a:off x="11247780" y="926298"/>
+            <a:ext cx="12700" cy="788062"/>
+          </a:xfrm>
+          <a:prstGeom prst="curvedConnector3">
+            <a:avLst>
+              <a:gd name="adj1" fmla="val 1800000"/>
+            </a:avLst>
+          </a:prstGeom>
+          <a:ln>
+            <a:solidFill>
+              <a:schemeClr val="bg1"/>
+            </a:solidFill>
+            <a:tailEnd type="triangle"/>
+          </a:ln>
+        </p:spPr>
+        <p:style>
+          <a:lnRef idx="1">
+            <a:schemeClr val="accent1"/>
+          </a:lnRef>
+          <a:fillRef idx="0">
+            <a:schemeClr val="accent1"/>
+          </a:fillRef>
+          <a:effectRef idx="0">
+            <a:schemeClr val="accent1"/>
+          </a:effectRef>
+          <a:fontRef idx="minor">
+            <a:schemeClr val="tx1"/>
+          </a:fontRef>
+        </p:style>
+      </p:cxnSp>
+      <p:sp>
+        <p:nvSpPr>
+          <p:cNvPr id="23" name="TextBox 22"/>
+          <p:cNvSpPr txBox="1"/>
+          <p:nvPr/>
+        </p:nvSpPr>
+        <p:spPr>
+          <a:xfrm>
+            <a:off x="9221086" y="1761791"/>
+            <a:ext cx="2453172" cy="646331"/>
+          </a:xfrm>
+          <a:prstGeom prst="rect">
+            <a:avLst/>
+          </a:prstGeom>
+          <a:noFill/>
+        </p:spPr>
+        <p:txBody>
+          <a:bodyPr wrap="none" rtlCol="0">
+            <a:spAutoFit/>
+          </a:bodyPr>
+          <a:lstStyle/>
+          <a:p>
+            <a:pPr algn="ctr"/>
+            <a:r>
+              <a:rPr lang="en-PH" b="1" dirty="0">
+                <a:solidFill>
+                  <a:schemeClr val="bg1"/>
+                </a:solidFill>
+              </a:rPr>
+              <a:t>CHARACTER CHANGES </a:t>
+            </a:r>
+          </a:p>
+          <a:p>
+            <a:pPr algn="ctr"/>
+            <a:r>
+              <a:rPr lang="en-PH" b="1" dirty="0">
+                <a:solidFill>
+                  <a:schemeClr val="bg1"/>
+                </a:solidFill>
+              </a:rPr>
+              <a:t>INTO RANDOM COLORS</a:t>
+            </a:r>
+          </a:p>
+        </p:txBody>
+      </p:sp>
+      <p:pic>
+        <p:nvPicPr>
+          <p:cNvPr id="24" name="Picture 23"/>
+          <p:cNvPicPr>
+            <a:picLocks noChangeAspect="1"/>
+          </p:cNvPicPr>
+          <p:nvPr/>
+        </p:nvPicPr>
+        <p:blipFill>
+          <a:blip r:embed="rId8">
+            <a:extLst>
+              <a:ext uri="{28A0092B-C50C-407E-A947-70E740481C1C}">
+                <a14:useLocalDpi xmlns:a14="http://schemas.microsoft.com/office/drawing/2010/main" val="0"/>
+              </a:ext>
+            </a:extLst>
+          </a:blip>
+          <a:stretch>
+            <a:fillRect/>
+          </a:stretch>
+        </p:blipFill>
+        <p:spPr>
+          <a:xfrm>
+            <a:off x="10447672" y="2928283"/>
+            <a:ext cx="1388079" cy="1388079"/>
+          </a:xfrm>
+          <a:prstGeom prst="rect">
+            <a:avLst/>
+          </a:prstGeom>
+        </p:spPr>
+      </p:pic>
+      <p:pic>
+        <p:nvPicPr>
+          <p:cNvPr id="25" name="Picture 24"/>
+          <p:cNvPicPr>
+            <a:picLocks noChangeAspect="1"/>
+          </p:cNvPicPr>
+          <p:nvPr/>
+        </p:nvPicPr>
+        <p:blipFill>
+          <a:blip r:embed="rId9">
+            <a:extLst>
+              <a:ext uri="{28A0092B-C50C-407E-A947-70E740481C1C}">
+                <a14:useLocalDpi xmlns:a14="http://schemas.microsoft.com/office/drawing/2010/main" val="0"/>
+              </a:ext>
+            </a:extLst>
+          </a:blip>
+          <a:stretch>
+            <a:fillRect/>
+          </a:stretch>
+        </p:blipFill>
+        <p:spPr>
+          <a:xfrm>
+            <a:off x="8723781" y="2992073"/>
+            <a:ext cx="1361306" cy="1361306"/>
+          </a:xfrm>
+          <a:prstGeom prst="rect">
+            <a:avLst/>
+          </a:prstGeom>
+        </p:spPr>
+      </p:pic>
+      <p:sp>
+        <p:nvSpPr>
+          <p:cNvPr id="26" name="TextBox 25"/>
+          <p:cNvSpPr txBox="1"/>
+          <p:nvPr/>
+        </p:nvSpPr>
+        <p:spPr>
+          <a:xfrm>
+            <a:off x="9152953" y="5374961"/>
+            <a:ext cx="2697405" cy="369332"/>
+          </a:xfrm>
+          <a:prstGeom prst="rect">
+            <a:avLst/>
+          </a:prstGeom>
+          <a:noFill/>
+        </p:spPr>
+        <p:txBody>
+          <a:bodyPr wrap="none" rtlCol="0">
+            <a:spAutoFit/>
+          </a:bodyPr>
+          <a:lstStyle/>
+          <a:p>
+            <a:pPr algn="ctr"/>
+            <a:r>
+              <a:rPr lang="en-PH" b="1" dirty="0">
+                <a:solidFill>
+                  <a:schemeClr val="bg1"/>
+                </a:solidFill>
+              </a:rPr>
+              <a:t>ART STYLE IS VERY SIMPLE</a:t>
+            </a:r>
+          </a:p>
+        </p:txBody>
+      </p:sp>
+      <p:pic>
+        <p:nvPicPr>
+          <p:cNvPr id="27" name="Picture 26"/>
+          <p:cNvPicPr>
+            <a:picLocks noChangeAspect="1"/>
+          </p:cNvPicPr>
+          <p:nvPr/>
+        </p:nvPicPr>
+        <p:blipFill>
+          <a:blip r:embed="rId10">
+            <a:extLst>
+              <a:ext uri="{28A0092B-C50C-407E-A947-70E740481C1C}">
+                <a14:useLocalDpi xmlns:a14="http://schemas.microsoft.com/office/drawing/2010/main" val="0"/>
+              </a:ext>
+            </a:extLst>
+          </a:blip>
+          <a:stretch>
+            <a:fillRect/>
+          </a:stretch>
+        </p:blipFill>
+        <p:spPr>
+          <a:xfrm>
+            <a:off x="8574858" y="4937331"/>
+            <a:ext cx="3372383" cy="289577"/>
+          </a:xfrm>
+          <a:prstGeom prst="rect">
+            <a:avLst/>
+          </a:prstGeom>
+        </p:spPr>
+      </p:pic>
+      <p:pic>
+        <p:nvPicPr>
+          <p:cNvPr id="28" name="Content Placeholder 3"/>
+          <p:cNvPicPr>
+            <a:picLocks noChangeAspect="1"/>
+          </p:cNvPicPr>
+          <p:nvPr/>
+        </p:nvPicPr>
+        <p:blipFill>
+          <a:blip r:embed="rId3">
+            <a:extLst>
+              <a:ext uri="{28A0092B-C50C-407E-A947-70E740481C1C}">
+                <a14:useLocalDpi xmlns:a14="http://schemas.microsoft.com/office/drawing/2010/main" val="0"/>
+              </a:ext>
+            </a:extLst>
+          </a:blip>
+          <a:stretch>
+            <a:fillRect/>
+          </a:stretch>
+        </p:blipFill>
+        <p:spPr>
+          <a:xfrm>
+            <a:off x="2405917" y="4224119"/>
+            <a:ext cx="546020" cy="546020"/>
+          </a:xfrm>
+          <a:prstGeom prst="rect">
+            <a:avLst/>
+          </a:prstGeom>
+        </p:spPr>
+      </p:pic>
+      <p:cxnSp>
+        <p:nvCxnSpPr>
+          <p:cNvPr id="30" name="Straight Arrow Connector 29"/>
+          <p:cNvCxnSpPr>
+            <a:stCxn id="28" idx="3"/>
+          </p:cNvCxnSpPr>
+          <p:nvPr/>
+        </p:nvCxnSpPr>
+        <p:spPr>
+          <a:xfrm>
+            <a:off x="2951937" y="4497129"/>
+            <a:ext cx="613190" cy="0"/>
+          </a:xfrm>
+          <a:prstGeom prst="straightConnector1">
+            <a:avLst/>
+          </a:prstGeom>
+          <a:ln>
+            <a:solidFill>
+              <a:schemeClr val="bg1"/>
+            </a:solidFill>
+            <a:tailEnd type="triangle"/>
+          </a:ln>
+        </p:spPr>
+        <p:style>
+          <a:lnRef idx="1">
+            <a:schemeClr val="accent1"/>
+          </a:lnRef>
+          <a:fillRef idx="0">
+            <a:schemeClr val="accent1"/>
+          </a:fillRef>
+          <a:effectRef idx="0">
+            <a:schemeClr val="accent1"/>
+          </a:effectRef>
+          <a:fontRef idx="minor">
+            <a:schemeClr val="tx1"/>
+          </a:fontRef>
+        </p:style>
+      </p:cxnSp>
+      <p:cxnSp>
+        <p:nvCxnSpPr>
+          <p:cNvPr id="34" name="Straight Arrow Connector 33"/>
+          <p:cNvCxnSpPr>
+            <a:stCxn id="28" idx="1"/>
+          </p:cNvCxnSpPr>
+          <p:nvPr/>
+        </p:nvCxnSpPr>
+        <p:spPr>
+          <a:xfrm flipH="1">
+            <a:off x="1859895" y="4497129"/>
+            <a:ext cx="546022" cy="0"/>
+          </a:xfrm>
+          <a:prstGeom prst="straightConnector1">
+            <a:avLst/>
+          </a:prstGeom>
+          <a:ln>
+            <a:solidFill>
+              <a:schemeClr val="bg1"/>
+            </a:solidFill>
+            <a:tailEnd type="triangle"/>
+          </a:ln>
+        </p:spPr>
+        <p:style>
+          <a:lnRef idx="1">
+            <a:schemeClr val="accent1"/>
+          </a:lnRef>
+          <a:fillRef idx="0">
+            <a:schemeClr val="accent1"/>
+          </a:fillRef>
+          <a:effectRef idx="0">
+            <a:schemeClr val="accent1"/>
+          </a:effectRef>
+          <a:fontRef idx="minor">
+            <a:schemeClr val="tx1"/>
+          </a:fontRef>
+        </p:style>
+      </p:cxnSp>
+      <p:cxnSp>
+        <p:nvCxnSpPr>
+          <p:cNvPr id="36" name="Straight Arrow Connector 35"/>
+          <p:cNvCxnSpPr>
+            <a:stCxn id="28" idx="0"/>
+          </p:cNvCxnSpPr>
+          <p:nvPr/>
+        </p:nvCxnSpPr>
+        <p:spPr>
+          <a:xfrm flipV="1">
+            <a:off x="2678927" y="3756885"/>
+            <a:ext cx="0" cy="467234"/>
+          </a:xfrm>
+          <a:prstGeom prst="straightConnector1">
+            <a:avLst/>
+          </a:prstGeom>
+          <a:ln>
+            <a:solidFill>
+              <a:schemeClr val="bg1"/>
+            </a:solidFill>
+            <a:tailEnd type="triangle"/>
+          </a:ln>
+        </p:spPr>
+        <p:style>
+          <a:lnRef idx="1">
+            <a:schemeClr val="accent1"/>
+          </a:lnRef>
+          <a:fillRef idx="0">
+            <a:schemeClr val="accent1"/>
+          </a:fillRef>
+          <a:effectRef idx="0">
+            <a:schemeClr val="accent1"/>
+          </a:effectRef>
+          <a:fontRef idx="minor">
+            <a:schemeClr val="tx1"/>
+          </a:fontRef>
+        </p:style>
+      </p:cxnSp>
+      <p:sp>
+        <p:nvSpPr>
+          <p:cNvPr id="37" name="TextBox 36"/>
+          <p:cNvSpPr txBox="1"/>
+          <p:nvPr/>
+        </p:nvSpPr>
+        <p:spPr>
+          <a:xfrm>
+            <a:off x="1679452" y="4811409"/>
+            <a:ext cx="2188516" cy="830997"/>
+          </a:xfrm>
+          <a:prstGeom prst="rect">
+            <a:avLst/>
+          </a:prstGeom>
+          <a:noFill/>
+        </p:spPr>
+        <p:txBody>
+          <a:bodyPr wrap="square" rtlCol="0">
+            <a:spAutoFit/>
+          </a:bodyPr>
+          <a:lstStyle/>
+          <a:p>
+            <a:pPr algn="ctr"/>
+            <a:r>
+              <a:rPr lang="en-PH" sz="1600" b="1" dirty="0">
+                <a:solidFill>
+                  <a:schemeClr val="bg1"/>
+                </a:solidFill>
+              </a:rPr>
+              <a:t>PLAYER CAN MOVE TO THE LEFT, TO THE RIGHT, OR JUMP</a:t>
+            </a:r>
           </a:p>
         </p:txBody>
       </p:sp>
@@ -3832,7 +5873,7 @@
         </p:nvSpPr>
         <p:spPr>
           <a:xfrm>
-            <a:off x="1705232" y="593124"/>
+            <a:off x="1676942" y="300566"/>
             <a:ext cx="9648567" cy="1097564"/>
           </a:xfrm>
         </p:spPr>
@@ -3840,6 +5881,7 @@
           <a:bodyPr/>
           <a:lstStyle/>
           <a:p>
+            <a:pPr algn="ctr"/>
             <a:r>
               <a:rPr lang="en-PH" b="1" dirty="0">
                 <a:ln w="22225">
@@ -3862,37 +5904,9 @@
           </a:p>
         </p:txBody>
       </p:sp>
-      <p:sp>
-        <p:nvSpPr>
-          <p:cNvPr id="3" name="Content Placeholder 2"/>
-          <p:cNvSpPr>
-            <a:spLocks noGrp="1"/>
-          </p:cNvSpPr>
-          <p:nvPr>
-            <p:ph idx="1"/>
-          </p:nvPr>
-        </p:nvSpPr>
-        <p:spPr>
-          <a:xfrm>
-            <a:off x="1705232" y="1690688"/>
-            <a:ext cx="10033687" cy="4660685"/>
-          </a:xfrm>
-        </p:spPr>
-        <p:txBody>
-          <a:bodyPr/>
-          <a:lstStyle/>
-          <a:p>
-            <a:endParaRPr lang="en-PH" dirty="0">
-              <a:solidFill>
-                <a:schemeClr val="bg1"/>
-              </a:solidFill>
-            </a:endParaRPr>
-          </a:p>
-        </p:txBody>
-      </p:sp>
       <p:pic>
         <p:nvPicPr>
-          <p:cNvPr id="6" name="Content Placeholder 3"/>
+          <p:cNvPr id="15" name="Picture 14"/>
           <p:cNvPicPr>
             <a:picLocks noChangeAspect="1"/>
           </p:cNvPicPr>
@@ -3911,9 +5925,9 @@
           </a:stretch>
         </p:blipFill>
         <p:spPr>
-          <a:xfrm>
-            <a:off x="3604246" y="2938944"/>
-            <a:ext cx="980112" cy="980112"/>
+          <a:xfrm flipH="1">
+            <a:off x="9582471" y="1530047"/>
+            <a:ext cx="1863038" cy="1863038"/>
           </a:xfrm>
           <a:prstGeom prst="rect">
             <a:avLst/>
@@ -3922,7 +5936,7 @@
       </p:pic>
       <p:pic>
         <p:nvPicPr>
-          <p:cNvPr id="7" name="Picture 6"/>
+          <p:cNvPr id="16" name="Picture 15"/>
           <p:cNvPicPr>
             <a:picLocks noChangeAspect="1"/>
           </p:cNvPicPr>
@@ -3941,9 +5955,9 @@
           </a:stretch>
         </p:blipFill>
         <p:spPr>
-          <a:xfrm>
-            <a:off x="9090653" y="2938944"/>
-            <a:ext cx="980112" cy="980112"/>
+          <a:xfrm flipH="1">
+            <a:off x="7100887" y="1535068"/>
+            <a:ext cx="1863038" cy="1863038"/>
           </a:xfrm>
           <a:prstGeom prst="rect">
             <a:avLst/>
@@ -3952,7 +5966,7 @@
       </p:pic>
       <p:pic>
         <p:nvPicPr>
-          <p:cNvPr id="8" name="Picture 7"/>
+          <p:cNvPr id="18" name="Content Placeholder 3"/>
           <p:cNvPicPr>
             <a:picLocks noChangeAspect="1"/>
           </p:cNvPicPr>
@@ -3971,9 +5985,9 @@
           </a:stretch>
         </p:blipFill>
         <p:spPr>
-          <a:xfrm>
-            <a:off x="7261851" y="2938944"/>
-            <a:ext cx="980112" cy="980112"/>
+          <a:xfrm flipH="1">
+            <a:off x="2230749" y="1530047"/>
+            <a:ext cx="1863038" cy="1863038"/>
           </a:xfrm>
           <a:prstGeom prst="rect">
             <a:avLst/>
@@ -3982,7 +5996,7 @@
       </p:pic>
       <p:pic>
         <p:nvPicPr>
-          <p:cNvPr id="9" name="Picture 8"/>
+          <p:cNvPr id="19" name="Picture 18"/>
           <p:cNvPicPr>
             <a:picLocks noChangeAspect="1"/>
           </p:cNvPicPr>
@@ -4001,135 +6015,135 @@
           </a:stretch>
         </p:blipFill>
         <p:spPr>
-          <a:xfrm>
-            <a:off x="5433049" y="2938944"/>
-            <a:ext cx="980112" cy="980112"/>
+          <a:xfrm flipH="1">
+            <a:off x="4619303" y="1530047"/>
+            <a:ext cx="1863038" cy="1863038"/>
           </a:xfrm>
           <a:prstGeom prst="rect">
             <a:avLst/>
           </a:prstGeom>
         </p:spPr>
       </p:pic>
-      <p:cxnSp>
-        <p:nvCxnSpPr>
-          <p:cNvPr id="10" name="Curved Connector 9"/>
-          <p:cNvCxnSpPr>
-            <a:stCxn id="6" idx="2"/>
-            <a:endCxn id="9" idx="2"/>
-          </p:cNvCxnSpPr>
-          <p:nvPr/>
-        </p:nvCxnSpPr>
-        <p:spPr>
-          <a:xfrm rot="16200000" flipH="1">
-            <a:off x="5008703" y="3004654"/>
-            <a:ext cx="12700" cy="1828803"/>
-          </a:xfrm>
-          <a:prstGeom prst="curvedConnector3">
-            <a:avLst>
-              <a:gd name="adj1" fmla="val 3648646"/>
-            </a:avLst>
-          </a:prstGeom>
-          <a:ln>
-            <a:solidFill>
-              <a:schemeClr val="bg1"/>
-            </a:solidFill>
-            <a:tailEnd type="triangle"/>
-          </a:ln>
-        </p:spPr>
-        <p:style>
-          <a:lnRef idx="1">
-            <a:schemeClr val="accent1"/>
-          </a:lnRef>
-          <a:fillRef idx="0">
-            <a:schemeClr val="accent1"/>
-          </a:fillRef>
-          <a:effectRef idx="0">
-            <a:schemeClr val="accent1"/>
-          </a:effectRef>
-          <a:fontRef idx="minor">
-            <a:schemeClr val="tx1"/>
-          </a:fontRef>
-        </p:style>
-      </p:cxnSp>
-      <p:cxnSp>
-        <p:nvCxnSpPr>
-          <p:cNvPr id="11" name="Curved Connector 10"/>
-          <p:cNvCxnSpPr>
-            <a:stCxn id="9" idx="0"/>
-            <a:endCxn id="8" idx="0"/>
-          </p:cNvCxnSpPr>
-          <p:nvPr/>
-        </p:nvCxnSpPr>
-        <p:spPr>
-          <a:xfrm rot="5400000" flipH="1" flipV="1">
-            <a:off x="6837506" y="2024543"/>
-            <a:ext cx="12700" cy="1828802"/>
-          </a:xfrm>
-          <a:prstGeom prst="curvedConnector3">
-            <a:avLst>
-              <a:gd name="adj1" fmla="val 3454055"/>
-            </a:avLst>
-          </a:prstGeom>
-          <a:ln>
-            <a:solidFill>
-              <a:schemeClr val="bg1"/>
-            </a:solidFill>
-            <a:tailEnd type="triangle"/>
-          </a:ln>
-        </p:spPr>
-        <p:style>
-          <a:lnRef idx="1">
-            <a:schemeClr val="accent1"/>
-          </a:lnRef>
-          <a:fillRef idx="0">
-            <a:schemeClr val="accent1"/>
-          </a:fillRef>
-          <a:effectRef idx="0">
-            <a:schemeClr val="accent1"/>
-          </a:effectRef>
-          <a:fontRef idx="minor">
-            <a:schemeClr val="tx1"/>
-          </a:fontRef>
-        </p:style>
-      </p:cxnSp>
-      <p:cxnSp>
-        <p:nvCxnSpPr>
-          <p:cNvPr id="12" name="Curved Connector 11"/>
-          <p:cNvCxnSpPr/>
-          <p:nvPr/>
-        </p:nvCxnSpPr>
-        <p:spPr>
-          <a:xfrm rot="16200000" flipH="1">
-            <a:off x="8666309" y="3017355"/>
-            <a:ext cx="12700" cy="1828803"/>
-          </a:xfrm>
-          <a:prstGeom prst="curvedConnector3">
-            <a:avLst>
-              <a:gd name="adj1" fmla="val 3648646"/>
-            </a:avLst>
-          </a:prstGeom>
-          <a:ln>
-            <a:solidFill>
-              <a:schemeClr val="bg1"/>
-            </a:solidFill>
-            <a:tailEnd type="triangle"/>
-          </a:ln>
-        </p:spPr>
-        <p:style>
-          <a:lnRef idx="1">
-            <a:schemeClr val="accent1"/>
-          </a:lnRef>
-          <a:fillRef idx="0">
-            <a:schemeClr val="accent1"/>
-          </a:fillRef>
-          <a:effectRef idx="0">
-            <a:schemeClr val="accent1"/>
-          </a:effectRef>
-          <a:fontRef idx="minor">
-            <a:schemeClr val="tx1"/>
-          </a:fontRef>
-        </p:style>
-      </p:cxnSp>
+      <p:sp>
+        <p:nvSpPr>
+          <p:cNvPr id="4" name="TextBox 3"/>
+          <p:cNvSpPr txBox="1"/>
+          <p:nvPr/>
+        </p:nvSpPr>
+        <p:spPr>
+          <a:xfrm>
+            <a:off x="3236992" y="3429000"/>
+            <a:ext cx="6577891" cy="646331"/>
+          </a:xfrm>
+          <a:prstGeom prst="rect">
+            <a:avLst/>
+          </a:prstGeom>
+          <a:noFill/>
+        </p:spPr>
+        <p:txBody>
+          <a:bodyPr wrap="none" rtlCol="0">
+            <a:spAutoFit/>
+          </a:bodyPr>
+          <a:lstStyle/>
+          <a:p>
+            <a:pPr algn="ctr"/>
+            <a:r>
+              <a:rPr lang="en-PH" b="1" dirty="0">
+                <a:solidFill>
+                  <a:schemeClr val="bg1"/>
+                </a:solidFill>
+              </a:rPr>
+              <a:t>CHARACTER DESIGN IS CREATED USING A CIRCULAR</a:t>
+            </a:r>
+          </a:p>
+          <a:p>
+            <a:pPr algn="ctr"/>
+            <a:r>
+              <a:rPr lang="en-PH" b="1" dirty="0">
+                <a:solidFill>
+                  <a:schemeClr val="bg1"/>
+                </a:solidFill>
+              </a:rPr>
+              <a:t>GEOMETRY  SHAPE AND COLORS THAT COMPLIMENTS EACH OTHER</a:t>
+            </a:r>
+          </a:p>
+        </p:txBody>
+      </p:sp>
+      <p:pic>
+        <p:nvPicPr>
+          <p:cNvPr id="20" name="Picture 19"/>
+          <p:cNvPicPr>
+            <a:picLocks noChangeAspect="1"/>
+          </p:cNvPicPr>
+          <p:nvPr/>
+        </p:nvPicPr>
+        <p:blipFill>
+          <a:blip r:embed="rId7">
+            <a:extLst>
+              <a:ext uri="{28A0092B-C50C-407E-A947-70E740481C1C}">
+                <a14:useLocalDpi xmlns:a14="http://schemas.microsoft.com/office/drawing/2010/main" val="0"/>
+              </a:ext>
+            </a:extLst>
+          </a:blip>
+          <a:stretch>
+            <a:fillRect/>
+          </a:stretch>
+        </p:blipFill>
+        <p:spPr>
+          <a:xfrm>
+            <a:off x="5507536" y="4156592"/>
+            <a:ext cx="1949609" cy="1949609"/>
+          </a:xfrm>
+          <a:prstGeom prst="rect">
+            <a:avLst/>
+          </a:prstGeom>
+        </p:spPr>
+      </p:pic>
+      <p:sp>
+        <p:nvSpPr>
+          <p:cNvPr id="21" name="TextBox 20"/>
+          <p:cNvSpPr txBox="1"/>
+          <p:nvPr/>
+        </p:nvSpPr>
+        <p:spPr>
+          <a:xfrm>
+            <a:off x="2792607" y="6106201"/>
+            <a:ext cx="7466660" cy="646331"/>
+          </a:xfrm>
+          <a:prstGeom prst="rect">
+            <a:avLst/>
+          </a:prstGeom>
+          <a:noFill/>
+        </p:spPr>
+        <p:txBody>
+          <a:bodyPr wrap="none" rtlCol="0">
+            <a:spAutoFit/>
+          </a:bodyPr>
+          <a:lstStyle/>
+          <a:p>
+            <a:pPr algn="ctr"/>
+            <a:r>
+              <a:rPr lang="en-PH" b="1" dirty="0">
+                <a:solidFill>
+                  <a:schemeClr val="bg1"/>
+                </a:solidFill>
+              </a:rPr>
+              <a:t>CHARACTER CAN ALSO BE CHANGED INTO A NEUTRAL COLOR (WHITE)</a:t>
+            </a:r>
+          </a:p>
+          <a:p>
+            <a:pPr algn="ctr"/>
+            <a:r>
+              <a:rPr lang="en-PH" b="1" dirty="0">
+                <a:solidFill>
+                  <a:schemeClr val="bg1"/>
+                </a:solidFill>
+              </a:rPr>
+              <a:t>WHICH WILL ALLOW IT TO PASS THROUGH ANY OBSTACLE WITH ANY COLOR</a:t>
+            </a:r>
+          </a:p>
+        </p:txBody>
+      </p:sp>
     </p:spTree>
     <p:extLst>
       <p:ext uri="{BB962C8B-B14F-4D97-AF65-F5344CB8AC3E}">
@@ -4201,7 +6215,7 @@
         </p:nvSpPr>
         <p:spPr>
           <a:xfrm>
-            <a:off x="1705232" y="593124"/>
+            <a:off x="1618735" y="231883"/>
             <a:ext cx="9648567" cy="1097564"/>
           </a:xfrm>
         </p:spPr>
@@ -4209,6 +6223,7 @@
           <a:bodyPr/>
           <a:lstStyle/>
           <a:p>
+            <a:pPr algn="ctr"/>
             <a:r>
               <a:rPr lang="en-PH" b="1" dirty="0">
                 <a:ln w="22225">
@@ -4255,11 +6270,663 @@
         </p:blipFill>
         <p:spPr>
           <a:xfrm>
-            <a:off x="2597919" y="2603126"/>
-            <a:ext cx="8208980" cy="3270510"/>
+            <a:off x="1846080" y="1775729"/>
+            <a:ext cx="6417719" cy="2556860"/>
           </a:xfrm>
         </p:spPr>
       </p:pic>
+      <p:pic>
+        <p:nvPicPr>
+          <p:cNvPr id="6" name="Content Placeholder 3"/>
+          <p:cNvPicPr>
+            <a:picLocks noChangeAspect="1"/>
+          </p:cNvPicPr>
+          <p:nvPr/>
+        </p:nvPicPr>
+        <p:blipFill>
+          <a:blip r:embed="rId4">
+            <a:extLst>
+              <a:ext uri="{28A0092B-C50C-407E-A947-70E740481C1C}">
+                <a14:useLocalDpi xmlns:a14="http://schemas.microsoft.com/office/drawing/2010/main" val="0"/>
+              </a:ext>
+            </a:extLst>
+          </a:blip>
+          <a:stretch>
+            <a:fillRect/>
+          </a:stretch>
+        </p:blipFill>
+        <p:spPr>
+          <a:xfrm>
+            <a:off x="2671996" y="4602978"/>
+            <a:ext cx="742067" cy="742067"/>
+          </a:xfrm>
+          <a:prstGeom prst="rect">
+            <a:avLst/>
+          </a:prstGeom>
+        </p:spPr>
+      </p:pic>
+      <p:pic>
+        <p:nvPicPr>
+          <p:cNvPr id="3" name="Picture 2"/>
+          <p:cNvPicPr>
+            <a:picLocks noChangeAspect="1"/>
+          </p:cNvPicPr>
+          <p:nvPr/>
+        </p:nvPicPr>
+        <p:blipFill>
+          <a:blip r:embed="rId5">
+            <a:extLst>
+              <a:ext uri="{28A0092B-C50C-407E-A947-70E740481C1C}">
+                <a14:useLocalDpi xmlns:a14="http://schemas.microsoft.com/office/drawing/2010/main" val="0"/>
+              </a:ext>
+            </a:extLst>
+          </a:blip>
+          <a:stretch>
+            <a:fillRect/>
+          </a:stretch>
+        </p:blipFill>
+        <p:spPr>
+          <a:xfrm>
+            <a:off x="2326857" y="5345045"/>
+            <a:ext cx="1474575" cy="243305"/>
+          </a:xfrm>
+          <a:prstGeom prst="rect">
+            <a:avLst/>
+          </a:prstGeom>
+        </p:spPr>
+      </p:pic>
+      <p:pic>
+        <p:nvPicPr>
+          <p:cNvPr id="4" name="Picture 3"/>
+          <p:cNvPicPr>
+            <a:picLocks noChangeAspect="1"/>
+          </p:cNvPicPr>
+          <p:nvPr/>
+        </p:nvPicPr>
+        <p:blipFill>
+          <a:blip r:embed="rId6">
+            <a:extLst>
+              <a:ext uri="{28A0092B-C50C-407E-A947-70E740481C1C}">
+                <a14:useLocalDpi xmlns:a14="http://schemas.microsoft.com/office/drawing/2010/main" val="0"/>
+              </a:ext>
+            </a:extLst>
+          </a:blip>
+          <a:stretch>
+            <a:fillRect/>
+          </a:stretch>
+        </p:blipFill>
+        <p:spPr>
+          <a:xfrm>
+            <a:off x="2579899" y="4675839"/>
+            <a:ext cx="986429" cy="986429"/>
+          </a:xfrm>
+          <a:prstGeom prst="rect">
+            <a:avLst/>
+          </a:prstGeom>
+        </p:spPr>
+      </p:pic>
+      <p:pic>
+        <p:nvPicPr>
+          <p:cNvPr id="8" name="Content Placeholder 3"/>
+          <p:cNvPicPr>
+            <a:picLocks noChangeAspect="1"/>
+          </p:cNvPicPr>
+          <p:nvPr/>
+        </p:nvPicPr>
+        <p:blipFill>
+          <a:blip r:embed="rId4">
+            <a:extLst>
+              <a:ext uri="{28A0092B-C50C-407E-A947-70E740481C1C}">
+                <a14:useLocalDpi xmlns:a14="http://schemas.microsoft.com/office/drawing/2010/main" val="0"/>
+              </a:ext>
+            </a:extLst>
+          </a:blip>
+          <a:stretch>
+            <a:fillRect/>
+          </a:stretch>
+        </p:blipFill>
+        <p:spPr>
+          <a:xfrm>
+            <a:off x="4708622" y="4566161"/>
+            <a:ext cx="742067" cy="742067"/>
+          </a:xfrm>
+          <a:prstGeom prst="rect">
+            <a:avLst/>
+          </a:prstGeom>
+        </p:spPr>
+      </p:pic>
+      <p:pic>
+        <p:nvPicPr>
+          <p:cNvPr id="9" name="Picture 8"/>
+          <p:cNvPicPr>
+            <a:picLocks noChangeAspect="1"/>
+          </p:cNvPicPr>
+          <p:nvPr/>
+        </p:nvPicPr>
+        <p:blipFill>
+          <a:blip r:embed="rId7">
+            <a:extLst>
+              <a:ext uri="{28A0092B-C50C-407E-A947-70E740481C1C}">
+                <a14:useLocalDpi xmlns:a14="http://schemas.microsoft.com/office/drawing/2010/main" val="0"/>
+              </a:ext>
+            </a:extLst>
+          </a:blip>
+          <a:stretch>
+            <a:fillRect/>
+          </a:stretch>
+        </p:blipFill>
+        <p:spPr>
+          <a:xfrm>
+            <a:off x="4317653" y="5328812"/>
+            <a:ext cx="1474575" cy="243305"/>
+          </a:xfrm>
+          <a:prstGeom prst="rect">
+            <a:avLst/>
+          </a:prstGeom>
+        </p:spPr>
+      </p:pic>
+      <p:pic>
+        <p:nvPicPr>
+          <p:cNvPr id="10" name="Picture 9"/>
+          <p:cNvPicPr>
+            <a:picLocks noChangeAspect="1"/>
+          </p:cNvPicPr>
+          <p:nvPr/>
+        </p:nvPicPr>
+        <p:blipFill>
+          <a:blip r:embed="rId8">
+            <a:extLst>
+              <a:ext uri="{28A0092B-C50C-407E-A947-70E740481C1C}">
+                <a14:useLocalDpi xmlns:a14="http://schemas.microsoft.com/office/drawing/2010/main" val="0"/>
+              </a:ext>
+            </a:extLst>
+          </a:blip>
+          <a:stretch>
+            <a:fillRect/>
+          </a:stretch>
+        </p:blipFill>
+        <p:spPr>
+          <a:xfrm>
+            <a:off x="4698133" y="4763612"/>
+            <a:ext cx="748917" cy="742067"/>
+          </a:xfrm>
+          <a:prstGeom prst="rect">
+            <a:avLst/>
+          </a:prstGeom>
+        </p:spPr>
+      </p:pic>
+      <p:sp>
+        <p:nvSpPr>
+          <p:cNvPr id="11" name="TextBox 10"/>
+          <p:cNvSpPr txBox="1"/>
+          <p:nvPr/>
+        </p:nvSpPr>
+        <p:spPr>
+          <a:xfrm>
+            <a:off x="1931559" y="5660263"/>
+            <a:ext cx="4145353" cy="954107"/>
+          </a:xfrm>
+          <a:prstGeom prst="rect">
+            <a:avLst/>
+          </a:prstGeom>
+          <a:noFill/>
+        </p:spPr>
+        <p:txBody>
+          <a:bodyPr wrap="square" rtlCol="0">
+            <a:spAutoFit/>
+          </a:bodyPr>
+          <a:lstStyle/>
+          <a:p>
+            <a:pPr algn="ctr"/>
+            <a:r>
+              <a:rPr lang="en-PH" sz="1400" b="1" dirty="0">
+                <a:solidFill>
+                  <a:schemeClr val="bg1"/>
+                </a:solidFill>
+              </a:rPr>
+              <a:t>PLAYER CAN ONLY STAND ON PLATFORMS </a:t>
+            </a:r>
+          </a:p>
+          <a:p>
+            <a:pPr algn="ctr"/>
+            <a:r>
+              <a:rPr lang="en-PH" sz="1400" b="1" dirty="0">
+                <a:solidFill>
+                  <a:schemeClr val="bg1"/>
+                </a:solidFill>
+              </a:rPr>
+              <a:t>AND PASS THROUGH OBSTACLES</a:t>
+            </a:r>
+          </a:p>
+          <a:p>
+            <a:pPr algn="ctr"/>
+            <a:r>
+              <a:rPr lang="en-PH" sz="1400" b="1" dirty="0">
+                <a:solidFill>
+                  <a:schemeClr val="bg1"/>
+                </a:solidFill>
+              </a:rPr>
+              <a:t>IF THEY HAVE THE SAME COLOR AS THE PLAYER’S. </a:t>
+            </a:r>
+          </a:p>
+          <a:p>
+            <a:pPr algn="ctr"/>
+            <a:r>
+              <a:rPr lang="en-PH" sz="1400" b="1" dirty="0">
+                <a:solidFill>
+                  <a:schemeClr val="bg1"/>
+                </a:solidFill>
+              </a:rPr>
+              <a:t>DOING OTHERWISE WILL RESULT TO A GAME OVER</a:t>
+            </a:r>
+          </a:p>
+        </p:txBody>
+      </p:sp>
+      <p:pic>
+        <p:nvPicPr>
+          <p:cNvPr id="12" name="Picture 11"/>
+          <p:cNvPicPr>
+            <a:picLocks noChangeAspect="1"/>
+          </p:cNvPicPr>
+          <p:nvPr/>
+        </p:nvPicPr>
+        <p:blipFill>
+          <a:blip r:embed="rId9">
+            <a:extLst>
+              <a:ext uri="{28A0092B-C50C-407E-A947-70E740481C1C}">
+                <a14:useLocalDpi xmlns:a14="http://schemas.microsoft.com/office/drawing/2010/main" val="0"/>
+              </a:ext>
+            </a:extLst>
+          </a:blip>
+          <a:stretch>
+            <a:fillRect/>
+          </a:stretch>
+        </p:blipFill>
+        <p:spPr>
+          <a:xfrm rot="2648562">
+            <a:off x="6548628" y="4791676"/>
+            <a:ext cx="1610310" cy="1610310"/>
+          </a:xfrm>
+          <a:prstGeom prst="rect">
+            <a:avLst/>
+          </a:prstGeom>
+        </p:spPr>
+      </p:pic>
+      <p:pic>
+        <p:nvPicPr>
+          <p:cNvPr id="13" name="Content Placeholder 3"/>
+          <p:cNvPicPr>
+            <a:picLocks noChangeAspect="1"/>
+          </p:cNvPicPr>
+          <p:nvPr/>
+        </p:nvPicPr>
+        <p:blipFill>
+          <a:blip r:embed="rId4">
+            <a:extLst>
+              <a:ext uri="{28A0092B-C50C-407E-A947-70E740481C1C}">
+                <a14:useLocalDpi xmlns:a14="http://schemas.microsoft.com/office/drawing/2010/main" val="0"/>
+              </a:ext>
+            </a:extLst>
+          </a:blip>
+          <a:stretch>
+            <a:fillRect/>
+          </a:stretch>
+        </p:blipFill>
+        <p:spPr>
+          <a:xfrm>
+            <a:off x="7571782" y="4993016"/>
+            <a:ext cx="537377" cy="537377"/>
+          </a:xfrm>
+          <a:prstGeom prst="rect">
+            <a:avLst/>
+          </a:prstGeom>
+        </p:spPr>
+      </p:pic>
+      <p:pic>
+        <p:nvPicPr>
+          <p:cNvPr id="14" name="Picture 13"/>
+          <p:cNvPicPr>
+            <a:picLocks noChangeAspect="1"/>
+          </p:cNvPicPr>
+          <p:nvPr/>
+        </p:nvPicPr>
+        <p:blipFill>
+          <a:blip r:embed="rId8">
+            <a:extLst>
+              <a:ext uri="{28A0092B-C50C-407E-A947-70E740481C1C}">
+                <a14:useLocalDpi xmlns:a14="http://schemas.microsoft.com/office/drawing/2010/main" val="0"/>
+              </a:ext>
+            </a:extLst>
+          </a:blip>
+          <a:stretch>
+            <a:fillRect/>
+          </a:stretch>
+        </p:blipFill>
+        <p:spPr>
+          <a:xfrm>
+            <a:off x="7654177" y="5258264"/>
+            <a:ext cx="420713" cy="416865"/>
+          </a:xfrm>
+          <a:prstGeom prst="rect">
+            <a:avLst/>
+          </a:prstGeom>
+        </p:spPr>
+      </p:pic>
+      <p:pic>
+        <p:nvPicPr>
+          <p:cNvPr id="15" name="Content Placeholder 3"/>
+          <p:cNvPicPr>
+            <a:picLocks noChangeAspect="1"/>
+          </p:cNvPicPr>
+          <p:nvPr/>
+        </p:nvPicPr>
+        <p:blipFill>
+          <a:blip r:embed="rId4">
+            <a:extLst>
+              <a:ext uri="{28A0092B-C50C-407E-A947-70E740481C1C}">
+                <a14:useLocalDpi xmlns:a14="http://schemas.microsoft.com/office/drawing/2010/main" val="0"/>
+              </a:ext>
+            </a:extLst>
+          </a:blip>
+          <a:stretch>
+            <a:fillRect/>
+          </a:stretch>
+        </p:blipFill>
+        <p:spPr>
+          <a:xfrm>
+            <a:off x="9931245" y="4890670"/>
+            <a:ext cx="537377" cy="537377"/>
+          </a:xfrm>
+          <a:prstGeom prst="rect">
+            <a:avLst/>
+          </a:prstGeom>
+        </p:spPr>
+      </p:pic>
+      <p:pic>
+        <p:nvPicPr>
+          <p:cNvPr id="16" name="Picture 15"/>
+          <p:cNvPicPr>
+            <a:picLocks noChangeAspect="1"/>
+          </p:cNvPicPr>
+          <p:nvPr/>
+        </p:nvPicPr>
+        <p:blipFill>
+          <a:blip r:embed="rId9">
+            <a:extLst>
+              <a:ext uri="{28A0092B-C50C-407E-A947-70E740481C1C}">
+                <a14:useLocalDpi xmlns:a14="http://schemas.microsoft.com/office/drawing/2010/main" val="0"/>
+              </a:ext>
+            </a:extLst>
+          </a:blip>
+          <a:stretch>
+            <a:fillRect/>
+          </a:stretch>
+        </p:blipFill>
+        <p:spPr>
+          <a:xfrm rot="18877880">
+            <a:off x="8843454" y="4725237"/>
+            <a:ext cx="1610310" cy="1610310"/>
+          </a:xfrm>
+          <a:prstGeom prst="rect">
+            <a:avLst/>
+          </a:prstGeom>
+        </p:spPr>
+      </p:pic>
+      <p:pic>
+        <p:nvPicPr>
+          <p:cNvPr id="17" name="Picture 16"/>
+          <p:cNvPicPr>
+            <a:picLocks noChangeAspect="1"/>
+          </p:cNvPicPr>
+          <p:nvPr/>
+        </p:nvPicPr>
+        <p:blipFill>
+          <a:blip r:embed="rId6">
+            <a:extLst>
+              <a:ext uri="{28A0092B-C50C-407E-A947-70E740481C1C}">
+                <a14:useLocalDpi xmlns:a14="http://schemas.microsoft.com/office/drawing/2010/main" val="0"/>
+              </a:ext>
+            </a:extLst>
+          </a:blip>
+          <a:stretch>
+            <a:fillRect/>
+          </a:stretch>
+        </p:blipFill>
+        <p:spPr>
+          <a:xfrm>
+            <a:off x="9902294" y="5079603"/>
+            <a:ext cx="595526" cy="595526"/>
+          </a:xfrm>
+          <a:prstGeom prst="rect">
+            <a:avLst/>
+          </a:prstGeom>
+        </p:spPr>
+      </p:pic>
+      <p:pic>
+        <p:nvPicPr>
+          <p:cNvPr id="18" name="Picture 17"/>
+          <p:cNvPicPr>
+            <a:picLocks noChangeAspect="1"/>
+          </p:cNvPicPr>
+          <p:nvPr/>
+        </p:nvPicPr>
+        <p:blipFill>
+          <a:blip r:embed="rId10">
+            <a:extLst>
+              <a:ext uri="{28A0092B-C50C-407E-A947-70E740481C1C}">
+                <a14:useLocalDpi xmlns:a14="http://schemas.microsoft.com/office/drawing/2010/main" val="0"/>
+              </a:ext>
+            </a:extLst>
+          </a:blip>
+          <a:stretch>
+            <a:fillRect/>
+          </a:stretch>
+        </p:blipFill>
+        <p:spPr>
+          <a:xfrm>
+            <a:off x="8404646" y="1576529"/>
+            <a:ext cx="1005046" cy="1005046"/>
+          </a:xfrm>
+          <a:prstGeom prst="rect">
+            <a:avLst/>
+          </a:prstGeom>
+        </p:spPr>
+      </p:pic>
+      <p:sp>
+        <p:nvSpPr>
+          <p:cNvPr id="19" name="TextBox 18"/>
+          <p:cNvSpPr txBox="1"/>
+          <p:nvPr/>
+        </p:nvSpPr>
+        <p:spPr>
+          <a:xfrm>
+            <a:off x="9019214" y="1817442"/>
+            <a:ext cx="3215465" cy="523220"/>
+          </a:xfrm>
+          <a:prstGeom prst="rect">
+            <a:avLst/>
+          </a:prstGeom>
+          <a:noFill/>
+        </p:spPr>
+        <p:txBody>
+          <a:bodyPr wrap="square" rtlCol="0">
+            <a:spAutoFit/>
+          </a:bodyPr>
+          <a:lstStyle/>
+          <a:p>
+            <a:pPr algn="ctr"/>
+            <a:r>
+              <a:rPr lang="en-PH" sz="1400" b="1" dirty="0">
+                <a:solidFill>
+                  <a:schemeClr val="bg1"/>
+                </a:solidFill>
+              </a:rPr>
+              <a:t>THIS BUFF CHANGES THE </a:t>
+            </a:r>
+          </a:p>
+          <a:p>
+            <a:pPr algn="ctr"/>
+            <a:r>
+              <a:rPr lang="en-PH" sz="1400" b="1" dirty="0">
+                <a:solidFill>
+                  <a:schemeClr val="bg1"/>
+                </a:solidFill>
+              </a:rPr>
+              <a:t>PLAYER’S COLOR</a:t>
+            </a:r>
+          </a:p>
+        </p:txBody>
+      </p:sp>
+      <p:pic>
+        <p:nvPicPr>
+          <p:cNvPr id="20" name="Picture 19"/>
+          <p:cNvPicPr>
+            <a:picLocks noChangeAspect="1"/>
+          </p:cNvPicPr>
+          <p:nvPr/>
+        </p:nvPicPr>
+        <p:blipFill>
+          <a:blip r:embed="rId11">
+            <a:extLst>
+              <a:ext uri="{28A0092B-C50C-407E-A947-70E740481C1C}">
+                <a14:useLocalDpi xmlns:a14="http://schemas.microsoft.com/office/drawing/2010/main" val="0"/>
+              </a:ext>
+            </a:extLst>
+          </a:blip>
+          <a:stretch>
+            <a:fillRect/>
+          </a:stretch>
+        </p:blipFill>
+        <p:spPr>
+          <a:xfrm>
+            <a:off x="8589743" y="2793321"/>
+            <a:ext cx="611645" cy="611645"/>
+          </a:xfrm>
+          <a:prstGeom prst="rect">
+            <a:avLst/>
+          </a:prstGeom>
+        </p:spPr>
+      </p:pic>
+      <p:sp>
+        <p:nvSpPr>
+          <p:cNvPr id="21" name="TextBox 20"/>
+          <p:cNvSpPr txBox="1"/>
+          <p:nvPr/>
+        </p:nvSpPr>
+        <p:spPr>
+          <a:xfrm>
+            <a:off x="9282357" y="2793321"/>
+            <a:ext cx="2909643" cy="738664"/>
+          </a:xfrm>
+          <a:prstGeom prst="rect">
+            <a:avLst/>
+          </a:prstGeom>
+          <a:noFill/>
+        </p:spPr>
+        <p:txBody>
+          <a:bodyPr wrap="square" rtlCol="0">
+            <a:spAutoFit/>
+          </a:bodyPr>
+          <a:lstStyle/>
+          <a:p>
+            <a:pPr algn="ctr"/>
+            <a:r>
+              <a:rPr lang="en-PH" sz="1400" b="1" dirty="0">
+                <a:solidFill>
+                  <a:schemeClr val="bg1"/>
+                </a:solidFill>
+              </a:rPr>
+              <a:t>THIS IS THE SCORE, IT GIVES THE PLAYER POINTS TO USE </a:t>
+            </a:r>
+          </a:p>
+          <a:p>
+            <a:pPr algn="ctr"/>
+            <a:r>
+              <a:rPr lang="en-PH" sz="1400" b="1" dirty="0">
+                <a:solidFill>
+                  <a:schemeClr val="bg1"/>
+                </a:solidFill>
+              </a:rPr>
+              <a:t>IN THE STORE</a:t>
+            </a:r>
+          </a:p>
+        </p:txBody>
+      </p:sp>
+      <p:pic>
+        <p:nvPicPr>
+          <p:cNvPr id="22" name="Picture 21"/>
+          <p:cNvPicPr>
+            <a:picLocks noChangeAspect="1"/>
+          </p:cNvPicPr>
+          <p:nvPr/>
+        </p:nvPicPr>
+        <p:blipFill>
+          <a:blip r:embed="rId12">
+            <a:extLst>
+              <a:ext uri="{28A0092B-C50C-407E-A947-70E740481C1C}">
+                <a14:useLocalDpi xmlns:a14="http://schemas.microsoft.com/office/drawing/2010/main" val="0"/>
+              </a:ext>
+            </a:extLst>
+          </a:blip>
+          <a:stretch>
+            <a:fillRect/>
+          </a:stretch>
+        </p:blipFill>
+        <p:spPr>
+          <a:xfrm>
+            <a:off x="8492317" y="3591356"/>
+            <a:ext cx="709071" cy="789343"/>
+          </a:xfrm>
+          <a:prstGeom prst="rect">
+            <a:avLst/>
+          </a:prstGeom>
+        </p:spPr>
+      </p:pic>
+      <p:sp>
+        <p:nvSpPr>
+          <p:cNvPr id="23" name="TextBox 22"/>
+          <p:cNvSpPr txBox="1"/>
+          <p:nvPr/>
+        </p:nvSpPr>
+        <p:spPr>
+          <a:xfrm>
+            <a:off x="9409692" y="3697779"/>
+            <a:ext cx="2909643" cy="738664"/>
+          </a:xfrm>
+          <a:prstGeom prst="rect">
+            <a:avLst/>
+          </a:prstGeom>
+          <a:noFill/>
+        </p:spPr>
+        <p:txBody>
+          <a:bodyPr wrap="square" rtlCol="0">
+            <a:spAutoFit/>
+          </a:bodyPr>
+          <a:lstStyle/>
+          <a:p>
+            <a:pPr algn="ctr"/>
+            <a:r>
+              <a:rPr lang="en-PH" sz="1400" b="1" dirty="0">
+                <a:solidFill>
+                  <a:schemeClr val="bg1"/>
+                </a:solidFill>
+              </a:rPr>
+              <a:t>THIS IS FINISH LINE OF THE GAME</a:t>
+            </a:r>
+          </a:p>
+          <a:p>
+            <a:pPr algn="ctr"/>
+            <a:r>
+              <a:rPr lang="en-PH" sz="1400" b="1" dirty="0">
+                <a:solidFill>
+                  <a:schemeClr val="bg1"/>
+                </a:solidFill>
+              </a:rPr>
+              <a:t>ENTERING THIS WILL MOVE THE PLAER TO THE NEXT LEVEL</a:t>
+            </a:r>
+          </a:p>
+        </p:txBody>
+      </p:sp>
     </p:spTree>
     <p:extLst>
       <p:ext uri="{BB962C8B-B14F-4D97-AF65-F5344CB8AC3E}">
@@ -4360,7 +7027,7 @@
         </p:nvSpPr>
         <p:spPr>
           <a:xfrm>
-            <a:off x="1705233" y="212124"/>
+            <a:off x="1705233" y="84538"/>
             <a:ext cx="9648567" cy="1097564"/>
           </a:xfrm>
         </p:spPr>
@@ -4403,6 +7070,13 @@
         </p:nvPicPr>
         <p:blipFill rotWithShape="1">
           <a:blip r:embed="rId4">
+            <a:duotone>
+              <a:prstClr val="black"/>
+              <a:schemeClr val="tx1">
+                <a:tint val="45000"/>
+                <a:satMod val="400000"/>
+              </a:schemeClr>
+            </a:duotone>
             <a:extLst>
               <a:ext uri="{28A0092B-C50C-407E-A947-70E740481C1C}">
                 <a14:useLocalDpi xmlns:a14="http://schemas.microsoft.com/office/drawing/2010/main" val="0"/>
@@ -4421,7 +7095,7 @@
       </p:pic>
       <p:pic>
         <p:nvPicPr>
-          <p:cNvPr id="11" name="Picture 10"/>
+          <p:cNvPr id="13" name="Picture 12"/>
           <p:cNvPicPr>
             <a:picLocks noChangeAspect="1"/>
           </p:cNvPicPr>
@@ -4441,17 +7115,50 @@
         </p:blipFill>
         <p:spPr>
           <a:xfrm>
-            <a:off x="8807694" y="2006775"/>
-            <a:ext cx="681998" cy="630412"/>
+            <a:off x="3267457" y="1787479"/>
+            <a:ext cx="390143" cy="447394"/>
           </a:xfrm>
           <a:prstGeom prst="rect">
             <a:avLst/>
           </a:prstGeom>
         </p:spPr>
       </p:pic>
+      <p:sp>
+        <p:nvSpPr>
+          <p:cNvPr id="14" name="TextBox 13"/>
+          <p:cNvSpPr txBox="1"/>
+          <p:nvPr/>
+        </p:nvSpPr>
+        <p:spPr>
+          <a:xfrm>
+            <a:off x="4836319" y="6232335"/>
+            <a:ext cx="3162404" cy="369332"/>
+          </a:xfrm>
+          <a:prstGeom prst="rect">
+            <a:avLst/>
+          </a:prstGeom>
+          <a:noFill/>
+        </p:spPr>
+        <p:txBody>
+          <a:bodyPr wrap="none" rtlCol="0">
+            <a:spAutoFit/>
+          </a:bodyPr>
+          <a:lstStyle/>
+          <a:p>
+            <a:r>
+              <a:rPr lang="en-PH" b="1" dirty="0">
+                <a:solidFill>
+                  <a:schemeClr val="bg1"/>
+                </a:solidFill>
+              </a:rPr>
+              <a:t>SIDE SCROLLER POINT OF VIEW</a:t>
+            </a:r>
+          </a:p>
+        </p:txBody>
+      </p:sp>
       <p:pic>
         <p:nvPicPr>
-          <p:cNvPr id="12" name="Picture 11"/>
+          <p:cNvPr id="8" name="Picture 7"/>
           <p:cNvPicPr>
             <a:picLocks noChangeAspect="1"/>
           </p:cNvPicPr>
@@ -4471,73 +7178,165 @@
         </p:blipFill>
         <p:spPr>
           <a:xfrm>
-            <a:off x="3492069" y="1926513"/>
-            <a:ext cx="775132" cy="511096"/>
+            <a:off x="9213606" y="1807197"/>
+            <a:ext cx="318788" cy="407959"/>
           </a:xfrm>
           <a:prstGeom prst="rect">
             <a:avLst/>
           </a:prstGeom>
         </p:spPr>
       </p:pic>
-      <p:pic>
-        <p:nvPicPr>
-          <p:cNvPr id="13" name="Picture 12"/>
-          <p:cNvPicPr>
-            <a:picLocks noChangeAspect="1"/>
-          </p:cNvPicPr>
-          <p:nvPr/>
-        </p:nvPicPr>
-        <p:blipFill>
-          <a:blip r:embed="rId7">
-            <a:extLst>
-              <a:ext uri="{28A0092B-C50C-407E-A947-70E740481C1C}">
-                <a14:useLocalDpi xmlns:a14="http://schemas.microsoft.com/office/drawing/2010/main" val="0"/>
-              </a:ext>
-            </a:extLst>
-          </a:blip>
-          <a:stretch>
-            <a:fillRect/>
-          </a:stretch>
-        </p:blipFill>
-        <p:spPr>
-          <a:xfrm>
-            <a:off x="4261878" y="2072136"/>
-            <a:ext cx="246115" cy="227499"/>
-          </a:xfrm>
-          <a:prstGeom prst="rect">
-            <a:avLst/>
-          </a:prstGeom>
-        </p:spPr>
-      </p:pic>
-      <p:sp>
-        <p:nvSpPr>
-          <p:cNvPr id="14" name="TextBox 13"/>
-          <p:cNvSpPr txBox="1"/>
-          <p:nvPr/>
-        </p:nvSpPr>
-        <p:spPr>
-          <a:xfrm>
-            <a:off x="4836319" y="6232335"/>
-            <a:ext cx="3106300" cy="369332"/>
-          </a:xfrm>
-          <a:prstGeom prst="rect">
-            <a:avLst/>
-          </a:prstGeom>
-          <a:noFill/>
-        </p:spPr>
-        <p:txBody>
-          <a:bodyPr wrap="none" rtlCol="0">
-            <a:spAutoFit/>
-          </a:bodyPr>
-          <a:lstStyle/>
-          <a:p>
-            <a:r>
-              <a:rPr lang="en-PH" dirty="0">
+      <p:sp>
+        <p:nvSpPr>
+          <p:cNvPr id="18" name="Oval Callout 17"/>
+          <p:cNvSpPr/>
+          <p:nvPr/>
+        </p:nvSpPr>
+        <p:spPr>
+          <a:xfrm>
+            <a:off x="1888985" y="2999015"/>
+            <a:ext cx="2125362" cy="1143000"/>
+          </a:xfrm>
+          <a:prstGeom prst="wedgeEllipseCallout">
+            <a:avLst>
+              <a:gd name="adj1" fmla="val 22771"/>
+              <a:gd name="adj2" fmla="val 96013"/>
+            </a:avLst>
+          </a:prstGeom>
+        </p:spPr>
+        <p:style>
+          <a:lnRef idx="1">
+            <a:schemeClr val="dk1"/>
+          </a:lnRef>
+          <a:fillRef idx="2">
+            <a:schemeClr val="dk1"/>
+          </a:fillRef>
+          <a:effectRef idx="1">
+            <a:schemeClr val="dk1"/>
+          </a:effectRef>
+          <a:fontRef idx="minor">
+            <a:schemeClr val="dk1"/>
+          </a:fontRef>
+        </p:style>
+        <p:txBody>
+          <a:bodyPr rtlCol="0" anchor="ctr"/>
+          <a:lstStyle/>
+          <a:p>
+            <a:pPr algn="ctr"/>
+            <a:r>
+              <a:rPr lang="en-PH" sz="1200" b="1" dirty="0">
                 <a:solidFill>
                   <a:schemeClr val="bg1"/>
                 </a:solidFill>
               </a:rPr>
-              <a:t>SIDE SCROLLER POINT OF VIEW</a:t>
+              <a:t>PLAYER STARTS AT THE LEFT AND </a:t>
+            </a:r>
+          </a:p>
+          <a:p>
+            <a:pPr algn="ctr"/>
+            <a:r>
+              <a:rPr lang="en-PH" sz="1200" b="1" dirty="0">
+                <a:solidFill>
+                  <a:schemeClr val="bg1"/>
+                </a:solidFill>
+              </a:rPr>
+              <a:t>PROGRESS TO THE RIGHT</a:t>
+            </a:r>
+          </a:p>
+        </p:txBody>
+      </p:sp>
+      <p:sp>
+        <p:nvSpPr>
+          <p:cNvPr id="19" name="Oval Callout 18"/>
+          <p:cNvSpPr/>
+          <p:nvPr/>
+        </p:nvSpPr>
+        <p:spPr>
+          <a:xfrm>
+            <a:off x="4308188" y="2113565"/>
+            <a:ext cx="1845478" cy="1090183"/>
+          </a:xfrm>
+          <a:prstGeom prst="wedgeEllipseCallout">
+            <a:avLst>
+              <a:gd name="adj1" fmla="val -81239"/>
+              <a:gd name="adj2" fmla="val -48165"/>
+            </a:avLst>
+          </a:prstGeom>
+        </p:spPr>
+        <p:style>
+          <a:lnRef idx="1">
+            <a:schemeClr val="dk1"/>
+          </a:lnRef>
+          <a:fillRef idx="2">
+            <a:schemeClr val="dk1"/>
+          </a:fillRef>
+          <a:effectRef idx="1">
+            <a:schemeClr val="dk1"/>
+          </a:effectRef>
+          <a:fontRef idx="minor">
+            <a:schemeClr val="dk1"/>
+          </a:fontRef>
+        </p:style>
+        <p:txBody>
+          <a:bodyPr rtlCol="0" anchor="ctr"/>
+          <a:lstStyle/>
+          <a:p>
+            <a:pPr algn="ctr"/>
+            <a:r>
+              <a:rPr lang="en-PH" sz="1200" b="1" dirty="0">
+                <a:solidFill>
+                  <a:schemeClr val="bg1"/>
+                </a:solidFill>
+              </a:rPr>
+              <a:t>SCORE IS VISIBLE TO THE PLAYER FOR EASY TRACK</a:t>
+            </a:r>
+          </a:p>
+        </p:txBody>
+      </p:sp>
+      <p:sp>
+        <p:nvSpPr>
+          <p:cNvPr id="20" name="Oval Callout 19"/>
+          <p:cNvSpPr/>
+          <p:nvPr/>
+        </p:nvSpPr>
+        <p:spPr>
+          <a:xfrm>
+            <a:off x="7137783" y="2113564"/>
+            <a:ext cx="1845478" cy="1090183"/>
+          </a:xfrm>
+          <a:prstGeom prst="wedgeEllipseCallout">
+            <a:avLst>
+              <a:gd name="adj1" fmla="val 66736"/>
+              <a:gd name="adj2" fmla="val -48165"/>
+            </a:avLst>
+          </a:prstGeom>
+        </p:spPr>
+        <p:style>
+          <a:lnRef idx="1">
+            <a:schemeClr val="dk1"/>
+          </a:lnRef>
+          <a:fillRef idx="2">
+            <a:schemeClr val="dk1"/>
+          </a:fillRef>
+          <a:effectRef idx="1">
+            <a:schemeClr val="dk1"/>
+          </a:effectRef>
+          <a:fontRef idx="minor">
+            <a:schemeClr val="dk1"/>
+          </a:fontRef>
+        </p:style>
+        <p:txBody>
+          <a:bodyPr rtlCol="0" anchor="ctr"/>
+          <a:lstStyle/>
+          <a:p>
+            <a:pPr algn="ctr"/>
+            <a:r>
+              <a:rPr lang="en-PH" sz="1200" b="1" dirty="0">
+                <a:solidFill>
+                  <a:schemeClr val="bg1"/>
+                </a:solidFill>
+              </a:rPr>
+              <a:t>PAUSE BUTTON IS VISIBLE IN THE SCREEN </a:t>
             </a:r>
           </a:p>
         </p:txBody>
@@ -4621,6 +7420,7 @@
           <a:bodyPr/>
           <a:lstStyle/>
           <a:p>
+            <a:pPr algn="ctr"/>
             <a:r>
               <a:rPr lang="en-PH" b="1" dirty="0">
                 <a:ln w="22225">
@@ -4861,8 +7661,8 @@
         </p:nvSpPr>
         <p:spPr>
           <a:xfrm>
-            <a:off x="1936642" y="6043271"/>
-            <a:ext cx="3445302" cy="738664"/>
+            <a:off x="2165651" y="6043271"/>
+            <a:ext cx="2987292" cy="830997"/>
           </a:xfrm>
           <a:prstGeom prst="rect">
             <a:avLst/>
@@ -4877,7 +7677,7 @@
           <a:p>
             <a:pPr algn="ctr"/>
             <a:r>
-              <a:rPr lang="en-PH" sz="1400" b="1" dirty="0">
+              <a:rPr lang="en-PH" sz="1200" b="1" dirty="0">
                 <a:solidFill>
                   <a:schemeClr val="bg1"/>
                 </a:solidFill>
@@ -4888,29 +7688,35 @@
           <a:p>
             <a:pPr algn="ctr"/>
             <a:r>
-              <a:rPr lang="en-PH" sz="1400" b="1" dirty="0">
+              <a:rPr lang="en-PH" sz="1200" b="1" dirty="0">
                 <a:solidFill>
                   <a:schemeClr val="bg1"/>
                 </a:solidFill>
               </a:rPr>
-              <a:t>THAT MAY WORK FOR CASUAL AUDIENCE</a:t>
+              <a:t>THAT COMPLIMENTS EACH OTHER WHICH</a:t>
             </a:r>
           </a:p>
           <a:p>
             <a:pPr algn="ctr"/>
             <a:r>
-              <a:rPr lang="en-PH" sz="1400" b="1" dirty="0">
+              <a:rPr lang="en-PH" sz="1200" b="1" dirty="0">
+                <a:solidFill>
+                  <a:schemeClr val="bg1"/>
+                </a:solidFill>
+              </a:rPr>
+              <a:t>MAY WORK FOR CASUAL AUDIENCE</a:t>
+            </a:r>
+          </a:p>
+          <a:p>
+            <a:pPr algn="ctr"/>
+            <a:r>
+              <a:rPr lang="en-PH" sz="1200" b="1" dirty="0">
                 <a:solidFill>
                   <a:schemeClr val="bg1"/>
                 </a:solidFill>
               </a:rPr>
               <a:t>AND MAKE THE GAME FEEL PUZZLE PACKED</a:t>
             </a:r>
-            <a:endParaRPr lang="en-PH" sz="1400" dirty="0">
-              <a:solidFill>
-                <a:schemeClr val="bg1"/>
-              </a:solidFill>
-            </a:endParaRPr>
           </a:p>
         </p:txBody>
       </p:sp>
@@ -4973,6 +7779,204 @@
           </a:prstGeom>
         </p:spPr>
       </p:pic>
+      <p:sp>
+        <p:nvSpPr>
+          <p:cNvPr id="3" name="TextBox 2"/>
+          <p:cNvSpPr txBox="1"/>
+          <p:nvPr/>
+        </p:nvSpPr>
+        <p:spPr>
+          <a:xfrm>
+            <a:off x="3242772" y="3603797"/>
+            <a:ext cx="1010213" cy="369332"/>
+          </a:xfrm>
+          <a:prstGeom prst="rect">
+            <a:avLst/>
+          </a:prstGeom>
+          <a:noFill/>
+        </p:spPr>
+        <p:txBody>
+          <a:bodyPr wrap="none" rtlCol="0">
+            <a:spAutoFit/>
+          </a:bodyPr>
+          <a:lstStyle/>
+          <a:p>
+            <a:r>
+              <a:rPr lang="en-PH" b="1" dirty="0">
+                <a:solidFill>
+                  <a:schemeClr val="bg1"/>
+                </a:solidFill>
+              </a:rPr>
+              <a:t>#ed145b</a:t>
+            </a:r>
+          </a:p>
+        </p:txBody>
+      </p:sp>
+      <p:sp>
+        <p:nvSpPr>
+          <p:cNvPr id="15" name="TextBox 14"/>
+          <p:cNvSpPr txBox="1"/>
+          <p:nvPr/>
+        </p:nvSpPr>
+        <p:spPr>
+          <a:xfrm>
+            <a:off x="3242772" y="2291056"/>
+            <a:ext cx="960519" cy="369332"/>
+          </a:xfrm>
+          <a:prstGeom prst="rect">
+            <a:avLst/>
+          </a:prstGeom>
+          <a:noFill/>
+        </p:spPr>
+        <p:txBody>
+          <a:bodyPr wrap="none" rtlCol="0">
+            <a:spAutoFit/>
+          </a:bodyPr>
+          <a:lstStyle/>
+          <a:p>
+            <a:r>
+              <a:rPr lang="en-PH" b="1" dirty="0">
+                <a:solidFill>
+                  <a:schemeClr val="bg1"/>
+                </a:solidFill>
+              </a:rPr>
+              <a:t>#005b7f</a:t>
+            </a:r>
+          </a:p>
+        </p:txBody>
+      </p:sp>
+      <p:sp>
+        <p:nvSpPr>
+          <p:cNvPr id="16" name="TextBox 15"/>
+          <p:cNvSpPr txBox="1"/>
+          <p:nvPr/>
+        </p:nvSpPr>
+        <p:spPr>
+          <a:xfrm>
+            <a:off x="3242772" y="2998519"/>
+            <a:ext cx="906980" cy="369332"/>
+          </a:xfrm>
+          <a:prstGeom prst="rect">
+            <a:avLst/>
+          </a:prstGeom>
+          <a:noFill/>
+        </p:spPr>
+        <p:txBody>
+          <a:bodyPr wrap="none" rtlCol="0">
+            <a:spAutoFit/>
+          </a:bodyPr>
+          <a:lstStyle/>
+          <a:p>
+            <a:r>
+              <a:rPr lang="en-PH" b="1" dirty="0">
+                <a:solidFill>
+                  <a:schemeClr val="bg1"/>
+                </a:solidFill>
+              </a:rPr>
+              <a:t>#00ff00</a:t>
+            </a:r>
+          </a:p>
+        </p:txBody>
+      </p:sp>
+      <p:sp>
+        <p:nvSpPr>
+          <p:cNvPr id="17" name="TextBox 16"/>
+          <p:cNvSpPr txBox="1"/>
+          <p:nvPr/>
+        </p:nvSpPr>
+        <p:spPr>
+          <a:xfrm>
+            <a:off x="3242773" y="4222581"/>
+            <a:ext cx="936218" cy="369332"/>
+          </a:xfrm>
+          <a:prstGeom prst="rect">
+            <a:avLst/>
+          </a:prstGeom>
+          <a:noFill/>
+        </p:spPr>
+        <p:txBody>
+          <a:bodyPr wrap="none" rtlCol="0">
+            <a:spAutoFit/>
+          </a:bodyPr>
+          <a:lstStyle/>
+          <a:p>
+            <a:r>
+              <a:rPr lang="en-PH" b="1" dirty="0">
+                <a:solidFill>
+                  <a:schemeClr val="bg1"/>
+                </a:solidFill>
+              </a:rPr>
+              <a:t>#fc9d03</a:t>
+            </a:r>
+          </a:p>
+        </p:txBody>
+      </p:sp>
+      <p:sp>
+        <p:nvSpPr>
+          <p:cNvPr id="18" name="TextBox 17"/>
+          <p:cNvSpPr txBox="1"/>
+          <p:nvPr/>
+        </p:nvSpPr>
+        <p:spPr>
+          <a:xfrm>
+            <a:off x="3242771" y="4876783"/>
+            <a:ext cx="938077" cy="369332"/>
+          </a:xfrm>
+          <a:prstGeom prst="rect">
+            <a:avLst/>
+          </a:prstGeom>
+          <a:noFill/>
+        </p:spPr>
+        <p:txBody>
+          <a:bodyPr wrap="none" rtlCol="0">
+            <a:spAutoFit/>
+          </a:bodyPr>
+          <a:lstStyle/>
+          <a:p>
+            <a:r>
+              <a:rPr lang="en-PH" b="1" dirty="0">
+                <a:solidFill>
+                  <a:schemeClr val="bg1"/>
+                </a:solidFill>
+              </a:rPr>
+              <a:t>#4f385c</a:t>
+            </a:r>
+          </a:p>
+        </p:txBody>
+      </p:sp>
+      <p:sp>
+        <p:nvSpPr>
+          <p:cNvPr id="19" name="TextBox 18"/>
+          <p:cNvSpPr txBox="1"/>
+          <p:nvPr/>
+        </p:nvSpPr>
+        <p:spPr>
+          <a:xfrm>
+            <a:off x="3242770" y="5513430"/>
+            <a:ext cx="1010213" cy="369332"/>
+          </a:xfrm>
+          <a:prstGeom prst="rect">
+            <a:avLst/>
+          </a:prstGeom>
+          <a:noFill/>
+        </p:spPr>
+        <p:txBody>
+          <a:bodyPr wrap="none" rtlCol="0">
+            <a:spAutoFit/>
+          </a:bodyPr>
+          <a:lstStyle/>
+          <a:p>
+            <a:r>
+              <a:rPr lang="en-PH" b="1" dirty="0">
+                <a:solidFill>
+                  <a:schemeClr val="bg1"/>
+                </a:solidFill>
+              </a:rPr>
+              <a:t>#5e5e5e</a:t>
+            </a:r>
+          </a:p>
+        </p:txBody>
+      </p:sp>
     </p:spTree>
     <p:extLst>
       <p:ext uri="{BB962C8B-B14F-4D97-AF65-F5344CB8AC3E}">
@@ -5044,7 +8048,7 @@
         </p:nvSpPr>
         <p:spPr>
           <a:xfrm>
-            <a:off x="1705232" y="593124"/>
+            <a:off x="1808246" y="345988"/>
             <a:ext cx="9648567" cy="1097564"/>
           </a:xfrm>
         </p:spPr>
@@ -5054,6 +8058,7 @@
           </a:bodyPr>
           <a:lstStyle/>
           <a:p>
+            <a:pPr algn="ctr"/>
             <a:r>
               <a:rPr lang="en-PH" b="1" dirty="0">
                 <a:ln w="22225">
@@ -5076,34 +8081,397 @@
           </a:p>
         </p:txBody>
       </p:sp>
-      <p:sp>
-        <p:nvSpPr>
-          <p:cNvPr id="3" name="Content Placeholder 2"/>
-          <p:cNvSpPr>
-            <a:spLocks noGrp="1"/>
-          </p:cNvSpPr>
+      <p:pic>
+        <p:nvPicPr>
+          <p:cNvPr id="6" name="Content Placeholder 5"/>
+          <p:cNvPicPr>
+            <a:picLocks noGrp="1" noChangeAspect="1"/>
+          </p:cNvPicPr>
           <p:nvPr>
             <p:ph idx="1"/>
           </p:nvPr>
-        </p:nvSpPr>
-        <p:spPr>
-          <a:xfrm>
-            <a:off x="1705232" y="1690688"/>
-            <a:ext cx="10033687" cy="4660685"/>
-          </a:xfrm>
-        </p:spPr>
-        <p:txBody>
-          <a:bodyPr/>
-          <a:lstStyle/>
-          <a:p>
-            <a:endParaRPr lang="en-PH" dirty="0">
-              <a:solidFill>
-                <a:schemeClr val="bg1"/>
-              </a:solidFill>
-            </a:endParaRPr>
-          </a:p>
-        </p:txBody>
-      </p:sp>
+        </p:nvPicPr>
+        <p:blipFill rotWithShape="1">
+          <a:blip r:embed="rId3">
+            <a:extLst>
+              <a:ext uri="{28A0092B-C50C-407E-A947-70E740481C1C}">
+                <a14:useLocalDpi xmlns:a14="http://schemas.microsoft.com/office/drawing/2010/main" val="0"/>
+              </a:ext>
+            </a:extLst>
+          </a:blip>
+          <a:srcRect r="73952"/>
+          <a:stretch/>
+        </p:blipFill>
+        <p:spPr>
+          <a:xfrm>
+            <a:off x="4828399" y="1802750"/>
+            <a:ext cx="3045857" cy="4658663"/>
+          </a:xfrm>
+          <a:prstGeom prst="rect">
+            <a:avLst/>
+          </a:prstGeom>
+        </p:spPr>
+      </p:pic>
+      <p:pic>
+        <p:nvPicPr>
+          <p:cNvPr id="8" name="Picture 7"/>
+          <p:cNvPicPr>
+            <a:picLocks noChangeAspect="1"/>
+          </p:cNvPicPr>
+          <p:nvPr/>
+        </p:nvPicPr>
+        <p:blipFill>
+          <a:blip r:embed="rId4">
+            <a:extLst>
+              <a:ext uri="{28A0092B-C50C-407E-A947-70E740481C1C}">
+                <a14:useLocalDpi xmlns:a14="http://schemas.microsoft.com/office/drawing/2010/main" val="0"/>
+              </a:ext>
+            </a:extLst>
+          </a:blip>
+          <a:stretch>
+            <a:fillRect/>
+          </a:stretch>
+        </p:blipFill>
+        <p:spPr>
+          <a:xfrm flipH="1">
+            <a:off x="10475749" y="1705897"/>
+            <a:ext cx="617296" cy="617296"/>
+          </a:xfrm>
+          <a:prstGeom prst="rect">
+            <a:avLst/>
+          </a:prstGeom>
+        </p:spPr>
+      </p:pic>
+      <p:pic>
+        <p:nvPicPr>
+          <p:cNvPr id="9" name="Picture 8"/>
+          <p:cNvPicPr>
+            <a:picLocks noChangeAspect="1"/>
+          </p:cNvPicPr>
+          <p:nvPr/>
+        </p:nvPicPr>
+        <p:blipFill>
+          <a:blip r:embed="rId5">
+            <a:extLst>
+              <a:ext uri="{28A0092B-C50C-407E-A947-70E740481C1C}">
+                <a14:useLocalDpi xmlns:a14="http://schemas.microsoft.com/office/drawing/2010/main" val="0"/>
+              </a:ext>
+            </a:extLst>
+          </a:blip>
+          <a:stretch>
+            <a:fillRect/>
+          </a:stretch>
+        </p:blipFill>
+        <p:spPr>
+          <a:xfrm flipH="1">
+            <a:off x="9819957" y="1709183"/>
+            <a:ext cx="617296" cy="617296"/>
+          </a:xfrm>
+          <a:prstGeom prst="rect">
+            <a:avLst/>
+          </a:prstGeom>
+        </p:spPr>
+      </p:pic>
+      <p:pic>
+        <p:nvPicPr>
+          <p:cNvPr id="10" name="Content Placeholder 3"/>
+          <p:cNvPicPr>
+            <a:picLocks noChangeAspect="1"/>
+          </p:cNvPicPr>
+          <p:nvPr/>
+        </p:nvPicPr>
+        <p:blipFill>
+          <a:blip r:embed="rId6">
+            <a:extLst>
+              <a:ext uri="{28A0092B-C50C-407E-A947-70E740481C1C}">
+                <a14:useLocalDpi xmlns:a14="http://schemas.microsoft.com/office/drawing/2010/main" val="0"/>
+              </a:ext>
+            </a:extLst>
+          </a:blip>
+          <a:stretch>
+            <a:fillRect/>
+          </a:stretch>
+        </p:blipFill>
+        <p:spPr>
+          <a:xfrm flipH="1">
+            <a:off x="8601407" y="1709185"/>
+            <a:ext cx="617296" cy="617296"/>
+          </a:xfrm>
+          <a:prstGeom prst="rect">
+            <a:avLst/>
+          </a:prstGeom>
+        </p:spPr>
+      </p:pic>
+      <p:pic>
+        <p:nvPicPr>
+          <p:cNvPr id="11" name="Picture 10"/>
+          <p:cNvPicPr>
+            <a:picLocks noChangeAspect="1"/>
+          </p:cNvPicPr>
+          <p:nvPr/>
+        </p:nvPicPr>
+        <p:blipFill>
+          <a:blip r:embed="rId7">
+            <a:extLst>
+              <a:ext uri="{28A0092B-C50C-407E-A947-70E740481C1C}">
+                <a14:useLocalDpi xmlns:a14="http://schemas.microsoft.com/office/drawing/2010/main" val="0"/>
+              </a:ext>
+            </a:extLst>
+          </a:blip>
+          <a:stretch>
+            <a:fillRect/>
+          </a:stretch>
+        </p:blipFill>
+        <p:spPr>
+          <a:xfrm flipH="1">
+            <a:off x="9210682" y="1709184"/>
+            <a:ext cx="617296" cy="617296"/>
+          </a:xfrm>
+          <a:prstGeom prst="rect">
+            <a:avLst/>
+          </a:prstGeom>
+        </p:spPr>
+      </p:pic>
+      <p:pic>
+        <p:nvPicPr>
+          <p:cNvPr id="12" name="Picture 11"/>
+          <p:cNvPicPr>
+            <a:picLocks noChangeAspect="1"/>
+          </p:cNvPicPr>
+          <p:nvPr/>
+        </p:nvPicPr>
+        <p:blipFill>
+          <a:blip r:embed="rId8">
+            <a:extLst>
+              <a:ext uri="{28A0092B-C50C-407E-A947-70E740481C1C}">
+                <a14:useLocalDpi xmlns:a14="http://schemas.microsoft.com/office/drawing/2010/main" val="0"/>
+              </a:ext>
+            </a:extLst>
+          </a:blip>
+          <a:stretch>
+            <a:fillRect/>
+          </a:stretch>
+        </p:blipFill>
+        <p:spPr>
+          <a:xfrm>
+            <a:off x="10216429" y="2637454"/>
+            <a:ext cx="1561986" cy="1561986"/>
+          </a:xfrm>
+          <a:prstGeom prst="rect">
+            <a:avLst/>
+          </a:prstGeom>
+        </p:spPr>
+      </p:pic>
+      <p:pic>
+        <p:nvPicPr>
+          <p:cNvPr id="13" name="Picture 12"/>
+          <p:cNvPicPr>
+            <a:picLocks noChangeAspect="1"/>
+          </p:cNvPicPr>
+          <p:nvPr/>
+        </p:nvPicPr>
+        <p:blipFill>
+          <a:blip r:embed="rId9">
+            <a:extLst>
+              <a:ext uri="{28A0092B-C50C-407E-A947-70E740481C1C}">
+                <a14:useLocalDpi xmlns:a14="http://schemas.microsoft.com/office/drawing/2010/main" val="0"/>
+              </a:ext>
+            </a:extLst>
+          </a:blip>
+          <a:stretch>
+            <a:fillRect/>
+          </a:stretch>
+        </p:blipFill>
+        <p:spPr>
+          <a:xfrm>
+            <a:off x="8492039" y="2705096"/>
+            <a:ext cx="1531858" cy="1531860"/>
+          </a:xfrm>
+          <a:prstGeom prst="rect">
+            <a:avLst/>
+          </a:prstGeom>
+        </p:spPr>
+      </p:pic>
+      <p:pic>
+        <p:nvPicPr>
+          <p:cNvPr id="14" name="Picture 13"/>
+          <p:cNvPicPr>
+            <a:picLocks noChangeAspect="1"/>
+          </p:cNvPicPr>
+          <p:nvPr/>
+        </p:nvPicPr>
+        <p:blipFill>
+          <a:blip r:embed="rId10">
+            <a:extLst>
+              <a:ext uri="{28A0092B-C50C-407E-A947-70E740481C1C}">
+                <a14:useLocalDpi xmlns:a14="http://schemas.microsoft.com/office/drawing/2010/main" val="0"/>
+              </a:ext>
+            </a:extLst>
+          </a:blip>
+          <a:stretch>
+            <a:fillRect/>
+          </a:stretch>
+        </p:blipFill>
+        <p:spPr>
+          <a:xfrm>
+            <a:off x="8182641" y="4430774"/>
+            <a:ext cx="3794886" cy="325858"/>
+          </a:xfrm>
+          <a:prstGeom prst="rect">
+            <a:avLst/>
+          </a:prstGeom>
+        </p:spPr>
+      </p:pic>
+      <p:sp>
+        <p:nvSpPr>
+          <p:cNvPr id="3" name="TextBox 2"/>
+          <p:cNvSpPr txBox="1"/>
+          <p:nvPr/>
+        </p:nvSpPr>
+        <p:spPr>
+          <a:xfrm>
+            <a:off x="8337214" y="4987249"/>
+            <a:ext cx="3582782" cy="646331"/>
+          </a:xfrm>
+          <a:prstGeom prst="rect">
+            <a:avLst/>
+          </a:prstGeom>
+          <a:noFill/>
+        </p:spPr>
+        <p:txBody>
+          <a:bodyPr wrap="square" rtlCol="0">
+            <a:spAutoFit/>
+          </a:bodyPr>
+          <a:lstStyle/>
+          <a:p>
+            <a:pPr algn="ctr"/>
+            <a:r>
+              <a:rPr lang="en-PH" sz="1200" b="1" dirty="0">
+                <a:solidFill>
+                  <a:schemeClr val="bg1"/>
+                </a:solidFill>
+              </a:rPr>
+              <a:t>COLOR SCHEME OF THE PLAYER, PLATFORM </a:t>
+            </a:r>
+          </a:p>
+          <a:p>
+            <a:pPr algn="ctr"/>
+            <a:r>
+              <a:rPr lang="en-PH" sz="1200" b="1" dirty="0">
+                <a:solidFill>
+                  <a:schemeClr val="bg1"/>
+                </a:solidFill>
+              </a:rPr>
+              <a:t>AND OBSTACLES ARE BRIGHTER THAN THE </a:t>
+            </a:r>
+          </a:p>
+          <a:p>
+            <a:pPr algn="ctr"/>
+            <a:r>
+              <a:rPr lang="en-PH" sz="1200" b="1" dirty="0">
+                <a:solidFill>
+                  <a:schemeClr val="bg1"/>
+                </a:solidFill>
+              </a:rPr>
+              <a:t>BACKGROUND TO MAKE THEM STAND OUT</a:t>
+            </a:r>
+          </a:p>
+        </p:txBody>
+      </p:sp>
+      <p:sp>
+        <p:nvSpPr>
+          <p:cNvPr id="4" name="TextBox 3"/>
+          <p:cNvSpPr txBox="1"/>
+          <p:nvPr/>
+        </p:nvSpPr>
+        <p:spPr>
+          <a:xfrm>
+            <a:off x="1665585" y="3240193"/>
+            <a:ext cx="2997103" cy="646331"/>
+          </a:xfrm>
+          <a:prstGeom prst="rect">
+            <a:avLst/>
+          </a:prstGeom>
+          <a:noFill/>
+        </p:spPr>
+        <p:txBody>
+          <a:bodyPr wrap="none" rtlCol="0">
+            <a:spAutoFit/>
+          </a:bodyPr>
+          <a:lstStyle/>
+          <a:p>
+            <a:pPr algn="ctr"/>
+            <a:r>
+              <a:rPr lang="en-PH" sz="1200" b="1" dirty="0">
+                <a:solidFill>
+                  <a:schemeClr val="bg1"/>
+                </a:solidFill>
+              </a:rPr>
+              <a:t>ALL OF THE ELEMENTS ARE AT THE BOTTOM</a:t>
+            </a:r>
+          </a:p>
+          <a:p>
+            <a:pPr algn="ctr"/>
+            <a:r>
+              <a:rPr lang="en-PH" sz="1200" b="1" dirty="0">
+                <a:solidFill>
+                  <a:schemeClr val="bg1"/>
+                </a:solidFill>
+              </a:rPr>
+              <a:t>HALF, WHICH GIVES PLAYER FOCUS ON THE </a:t>
+            </a:r>
+          </a:p>
+          <a:p>
+            <a:pPr algn="ctr"/>
+            <a:r>
+              <a:rPr lang="en-PH" sz="1200" b="1" dirty="0">
+                <a:solidFill>
+                  <a:schemeClr val="bg1"/>
+                </a:solidFill>
+              </a:rPr>
+              <a:t>PLATFORMS AND OBSTACLES</a:t>
+            </a:r>
+          </a:p>
+        </p:txBody>
+      </p:sp>
+      <p:cxnSp>
+        <p:nvCxnSpPr>
+          <p:cNvPr id="16" name="Curved Connector 15"/>
+          <p:cNvCxnSpPr>
+            <a:stCxn id="4" idx="2"/>
+          </p:cNvCxnSpPr>
+          <p:nvPr/>
+        </p:nvCxnSpPr>
+        <p:spPr>
+          <a:xfrm rot="16200000" flipH="1">
+            <a:off x="3301363" y="3749298"/>
+            <a:ext cx="1389811" cy="1664262"/>
+          </a:xfrm>
+          <a:prstGeom prst="curvedConnector2">
+            <a:avLst/>
+          </a:prstGeom>
+          <a:ln>
+            <a:solidFill>
+              <a:schemeClr val="bg1"/>
+            </a:solidFill>
+            <a:tailEnd type="triangle"/>
+          </a:ln>
+        </p:spPr>
+        <p:style>
+          <a:lnRef idx="3">
+            <a:schemeClr val="accent1"/>
+          </a:lnRef>
+          <a:fillRef idx="0">
+            <a:schemeClr val="accent1"/>
+          </a:fillRef>
+          <a:effectRef idx="2">
+            <a:schemeClr val="accent1"/>
+          </a:effectRef>
+          <a:fontRef idx="minor">
+            <a:schemeClr val="tx1"/>
+          </a:fontRef>
+        </p:style>
+      </p:cxnSp>
     </p:spTree>
     <p:extLst>
       <p:ext uri="{BB962C8B-B14F-4D97-AF65-F5344CB8AC3E}">
@@ -5175,7 +8543,7 @@
         </p:nvSpPr>
         <p:spPr>
           <a:xfrm>
-            <a:off x="1705232" y="593124"/>
+            <a:off x="1705232" y="383059"/>
             <a:ext cx="9648567" cy="1097564"/>
           </a:xfrm>
         </p:spPr>
@@ -5183,8 +8551,9 @@
           <a:bodyPr/>
           <a:lstStyle/>
           <a:p>
-            <a:r>
-              <a:rPr lang="en-PH" dirty="0">
+            <a:pPr algn="ctr"/>
+            <a:r>
+              <a:rPr lang="en-PH" b="1" dirty="0">
                 <a:ln w="22225">
                   <a:solidFill>
                     <a:schemeClr val="bg1"/>
@@ -5205,31 +8574,231 @@
           </a:p>
         </p:txBody>
       </p:sp>
-      <p:sp>
-        <p:nvSpPr>
-          <p:cNvPr id="3" name="Content Placeholder 2"/>
-          <p:cNvSpPr>
-            <a:spLocks noGrp="1"/>
-          </p:cNvSpPr>
-          <p:nvPr>
-            <p:ph idx="1"/>
-          </p:nvPr>
-        </p:nvSpPr>
-        <p:spPr>
-          <a:xfrm>
-            <a:off x="1705232" y="1690688"/>
-            <a:ext cx="10033687" cy="4660685"/>
-          </a:xfrm>
-        </p:spPr>
-        <p:txBody>
-          <a:bodyPr/>
-          <a:lstStyle/>
-          <a:p>
-            <a:endParaRPr lang="en-PH" dirty="0">
-              <a:solidFill>
-                <a:schemeClr val="bg1"/>
-              </a:solidFill>
-            </a:endParaRPr>
+      <p:pic>
+        <p:nvPicPr>
+          <p:cNvPr id="6" name="Picture 5"/>
+          <p:cNvPicPr>
+            <a:picLocks noChangeAspect="1"/>
+          </p:cNvPicPr>
+          <p:nvPr/>
+        </p:nvPicPr>
+        <p:blipFill>
+          <a:blip r:embed="rId3">
+            <a:extLst>
+              <a:ext uri="{28A0092B-C50C-407E-A947-70E740481C1C}">
+                <a14:useLocalDpi xmlns:a14="http://schemas.microsoft.com/office/drawing/2010/main" val="0"/>
+              </a:ext>
+            </a:extLst>
+          </a:blip>
+          <a:stretch>
+            <a:fillRect/>
+          </a:stretch>
+        </p:blipFill>
+        <p:spPr>
+          <a:xfrm>
+            <a:off x="2153165" y="2568018"/>
+            <a:ext cx="3284001" cy="2542209"/>
+          </a:xfrm>
+          <a:prstGeom prst="roundRect">
+            <a:avLst>
+              <a:gd name="adj" fmla="val 8594"/>
+            </a:avLst>
+          </a:prstGeom>
+          <a:solidFill>
+            <a:srgbClr val="FFFFFF">
+              <a:shade val="85000"/>
+            </a:srgbClr>
+          </a:solidFill>
+          <a:ln>
+            <a:noFill/>
+          </a:ln>
+          <a:effectLst>
+            <a:reflection blurRad="12700" stA="38000" endPos="28000" dist="5000" dir="5400000" sy="-100000" algn="bl" rotWithShape="0"/>
+          </a:effectLst>
+        </p:spPr>
+      </p:pic>
+      <p:pic>
+        <p:nvPicPr>
+          <p:cNvPr id="8" name="Picture 7"/>
+          <p:cNvPicPr>
+            <a:picLocks noChangeAspect="1"/>
+          </p:cNvPicPr>
+          <p:nvPr/>
+        </p:nvPicPr>
+        <p:blipFill>
+          <a:blip r:embed="rId4">
+            <a:extLst>
+              <a:ext uri="{28A0092B-C50C-407E-A947-70E740481C1C}">
+                <a14:useLocalDpi xmlns:a14="http://schemas.microsoft.com/office/drawing/2010/main" val="0"/>
+              </a:ext>
+            </a:extLst>
+          </a:blip>
+          <a:stretch>
+            <a:fillRect/>
+          </a:stretch>
+        </p:blipFill>
+        <p:spPr>
+          <a:xfrm>
+            <a:off x="5853273" y="2568018"/>
+            <a:ext cx="2542209" cy="2542209"/>
+          </a:xfrm>
+          <a:prstGeom prst="roundRect">
+            <a:avLst>
+              <a:gd name="adj" fmla="val 8594"/>
+            </a:avLst>
+          </a:prstGeom>
+          <a:solidFill>
+            <a:srgbClr val="FFFFFF">
+              <a:shade val="85000"/>
+            </a:srgbClr>
+          </a:solidFill>
+          <a:ln>
+            <a:noFill/>
+          </a:ln>
+          <a:effectLst>
+            <a:reflection blurRad="12700" stA="38000" endPos="28000" dist="5000" dir="5400000" sy="-100000" algn="bl" rotWithShape="0"/>
+          </a:effectLst>
+        </p:spPr>
+      </p:pic>
+      <p:pic>
+        <p:nvPicPr>
+          <p:cNvPr id="9" name="Picture 8"/>
+          <p:cNvPicPr>
+            <a:picLocks noChangeAspect="1"/>
+          </p:cNvPicPr>
+          <p:nvPr/>
+        </p:nvPicPr>
+        <p:blipFill>
+          <a:blip r:embed="rId5">
+            <a:extLst>
+              <a:ext uri="{28A0092B-C50C-407E-A947-70E740481C1C}">
+                <a14:useLocalDpi xmlns:a14="http://schemas.microsoft.com/office/drawing/2010/main" val="0"/>
+              </a:ext>
+            </a:extLst>
+          </a:blip>
+          <a:stretch>
+            <a:fillRect/>
+          </a:stretch>
+        </p:blipFill>
+        <p:spPr>
+          <a:xfrm>
+            <a:off x="8811590" y="2568018"/>
+            <a:ext cx="2542209" cy="2542209"/>
+          </a:xfrm>
+          <a:prstGeom prst="roundRect">
+            <a:avLst>
+              <a:gd name="adj" fmla="val 8594"/>
+            </a:avLst>
+          </a:prstGeom>
+          <a:solidFill>
+            <a:srgbClr val="FFFFFF">
+              <a:shade val="85000"/>
+            </a:srgbClr>
+          </a:solidFill>
+          <a:ln>
+            <a:noFill/>
+          </a:ln>
+          <a:effectLst>
+            <a:reflection blurRad="12700" stA="38000" endPos="28000" dist="5000" dir="5400000" sy="-100000" algn="bl" rotWithShape="0"/>
+          </a:effectLst>
+        </p:spPr>
+      </p:pic>
+      <p:sp>
+        <p:nvSpPr>
+          <p:cNvPr id="13" name="TextBox 12"/>
+          <p:cNvSpPr txBox="1"/>
+          <p:nvPr/>
+        </p:nvSpPr>
+        <p:spPr>
+          <a:xfrm>
+            <a:off x="2606485" y="5805452"/>
+            <a:ext cx="2069797" cy="369332"/>
+          </a:xfrm>
+          <a:prstGeom prst="rect">
+            <a:avLst/>
+          </a:prstGeom>
+          <a:noFill/>
+        </p:spPr>
+        <p:txBody>
+          <a:bodyPr wrap="none" rtlCol="0">
+            <a:spAutoFit/>
+          </a:bodyPr>
+          <a:lstStyle/>
+          <a:p>
+            <a:r>
+              <a:rPr lang="en-PH" b="1" dirty="0">
+                <a:solidFill>
+                  <a:schemeClr val="bg1"/>
+                </a:solidFill>
+              </a:rPr>
+              <a:t>MAIN MENU SCENE</a:t>
+            </a:r>
+          </a:p>
+        </p:txBody>
+      </p:sp>
+      <p:sp>
+        <p:nvSpPr>
+          <p:cNvPr id="14" name="TextBox 13"/>
+          <p:cNvSpPr txBox="1"/>
+          <p:nvPr/>
+        </p:nvSpPr>
+        <p:spPr>
+          <a:xfrm>
+            <a:off x="6050365" y="5805452"/>
+            <a:ext cx="2184572" cy="369332"/>
+          </a:xfrm>
+          <a:prstGeom prst="rect">
+            <a:avLst/>
+          </a:prstGeom>
+          <a:noFill/>
+        </p:spPr>
+        <p:txBody>
+          <a:bodyPr wrap="none" rtlCol="0">
+            <a:spAutoFit/>
+          </a:bodyPr>
+          <a:lstStyle/>
+          <a:p>
+            <a:r>
+              <a:rPr lang="en-PH" b="1" dirty="0">
+                <a:solidFill>
+                  <a:schemeClr val="bg1"/>
+                </a:solidFill>
+              </a:rPr>
+              <a:t>HOW TO PLAY SCENE</a:t>
+            </a:r>
+          </a:p>
+        </p:txBody>
+      </p:sp>
+      <p:sp>
+        <p:nvSpPr>
+          <p:cNvPr id="15" name="TextBox 14"/>
+          <p:cNvSpPr txBox="1"/>
+          <p:nvPr/>
+        </p:nvSpPr>
+        <p:spPr>
+          <a:xfrm>
+            <a:off x="9082869" y="5802891"/>
+            <a:ext cx="2028953" cy="369332"/>
+          </a:xfrm>
+          <a:prstGeom prst="rect">
+            <a:avLst/>
+          </a:prstGeom>
+          <a:noFill/>
+        </p:spPr>
+        <p:txBody>
+          <a:bodyPr wrap="none" rtlCol="0">
+            <a:spAutoFit/>
+          </a:bodyPr>
+          <a:lstStyle/>
+          <a:p>
+            <a:r>
+              <a:rPr lang="en-PH" b="1" dirty="0">
+                <a:solidFill>
+                  <a:schemeClr val="bg1"/>
+                </a:solidFill>
+              </a:rPr>
+              <a:t>GAME OVER SCENE</a:t>
+            </a:r>
           </a:p>
         </p:txBody>
       </p:sp>
